--- a/course/Spring-Day6.pptx
+++ b/course/Spring-Day6.pptx
@@ -2,7 +2,7 @@
 <file path=ppt/presentation.xml><?xml version="1.0" encoding="utf-8"?>
 <p:presentation xmlns:a="http://schemas.openxmlformats.org/drawingml/2006/main" xmlns:r="http://schemas.openxmlformats.org/officeDocument/2006/relationships" xmlns:p="http://schemas.openxmlformats.org/presentationml/2006/main" saveSubsetFonts="1">
   <p:sldMasterIdLst>
-    <p:sldMasterId id="2147483684" r:id="rId1"/>
+    <p:sldMasterId id="2147483696" r:id="rId1"/>
   </p:sldMasterIdLst>
   <p:sldIdLst>
     <p:sldId id="256" r:id="rId2"/>
@@ -162,7 +162,7 @@
 </file>
 
 <file path=ppt/slideLayouts/slideLayout1.xml><?xml version="1.0" encoding="utf-8"?>
-<p:sldLayout xmlns:a="http://schemas.openxmlformats.org/drawingml/2006/main" xmlns:r="http://schemas.openxmlformats.org/officeDocument/2006/relationships" xmlns:p="http://schemas.openxmlformats.org/presentationml/2006/main" showMasterSp="0" type="title" preserve="1">
+<p:sldLayout xmlns:a="http://schemas.openxmlformats.org/drawingml/2006/main" xmlns:r="http://schemas.openxmlformats.org/officeDocument/2006/relationships" xmlns:p="http://schemas.openxmlformats.org/presentationml/2006/main" type="title" preserve="1">
   <p:cSld name="Title Slide">
     <p:spTree>
       <p:nvGrpSpPr>
@@ -181,22 +181,26 @@
       <p:sp>
         <p:nvSpPr>
           <p:cNvPr id="7" name="Rectangle 6"/>
-          <p:cNvSpPr/>
+          <p:cNvSpPr>
+            <a:spLocks noChangeAspect="1"/>
+          </p:cNvSpPr>
           <p:nvPr/>
         </p:nvSpPr>
         <p:spPr>
           <a:xfrm>
-            <a:off x="3175" y="6400800"/>
-            <a:ext cx="12188825" cy="457200"/>
+            <a:off x="231140" y="243840"/>
+            <a:ext cx="11724640" cy="6377939"/>
           </a:xfrm>
           <a:prstGeom prst="rect">
             <a:avLst/>
           </a:prstGeom>
           <a:solidFill>
-            <a:schemeClr val="accent2"/>
+            <a:schemeClr val="accent1"/>
           </a:solidFill>
-          <a:ln>
-            <a:noFill/>
+          <a:ln w="12700">
+            <a:solidFill>
+              <a:srgbClr val="FFFFFF"/>
+            </a:solidFill>
           </a:ln>
         </p:spPr>
         <p:style>
@@ -218,56 +222,18 @@
       </p:sp>
       <p:sp>
         <p:nvSpPr>
-          <p:cNvPr id="8" name="Rectangle 7"/>
-          <p:cNvSpPr/>
-          <p:nvPr/>
+          <p:cNvPr id="2" name="Title 1"/>
+          <p:cNvSpPr>
+            <a:spLocks noGrp="1"/>
+          </p:cNvSpPr>
+          <p:nvPr>
+            <p:ph type="ctrTitle"/>
+          </p:nvPr>
         </p:nvSpPr>
         <p:spPr>
           <a:xfrm>
-            <a:off x="15" y="6334316"/>
-            <a:ext cx="12188825" cy="64008"/>
-          </a:xfrm>
-          <a:prstGeom prst="rect">
-            <a:avLst/>
-          </a:prstGeom>
-          <a:solidFill>
-            <a:schemeClr val="accent1"/>
-          </a:solidFill>
-          <a:ln>
-            <a:noFill/>
-          </a:ln>
-        </p:spPr>
-        <p:style>
-          <a:lnRef idx="2">
-            <a:schemeClr val="accent1">
-              <a:shade val="50000"/>
-            </a:schemeClr>
-          </a:lnRef>
-          <a:fillRef idx="1">
-            <a:schemeClr val="accent1"/>
-          </a:fillRef>
-          <a:effectRef idx="0">
-            <a:schemeClr val="accent1"/>
-          </a:effectRef>
-          <a:fontRef idx="minor">
-            <a:schemeClr val="lt1"/>
-          </a:fontRef>
-        </p:style>
-      </p:sp>
-      <p:sp>
-        <p:nvSpPr>
-          <p:cNvPr id="2" name="Title 1"/>
-          <p:cNvSpPr>
-            <a:spLocks noGrp="1"/>
-          </p:cNvSpPr>
-          <p:nvPr>
-            <p:ph type="ctrTitle"/>
-          </p:nvPr>
-        </p:nvSpPr>
-        <p:spPr>
-          <a:xfrm>
-            <a:off x="1097280" y="758952"/>
-            <a:ext cx="10058400" cy="3566160"/>
+            <a:off x="1109980" y="882376"/>
+            <a:ext cx="9966960" cy="2926080"/>
           </a:xfrm>
         </p:spPr>
         <p:txBody>
@@ -275,16 +241,13 @@
             <a:normAutofit/>
           </a:bodyPr>
           <a:lstStyle>
-            <a:lvl1pPr algn="l">
+            <a:lvl1pPr algn="ctr">
               <a:lnSpc>
                 <a:spcPct val="85000"/>
               </a:lnSpc>
-              <a:defRPr sz="8000" spc="-50" baseline="0">
+              <a:defRPr sz="7200" b="1" cap="all" baseline="0">
                 <a:solidFill>
-                  <a:schemeClr val="tx1">
-                    <a:lumMod val="85000"/>
-                    <a:lumOff val="15000"/>
-                  </a:schemeClr>
+                  <a:srgbClr val="FFFFFF"/>
                 </a:solidFill>
               </a:defRPr>
             </a:lvl1pPr>
@@ -310,31 +273,30 @@
         </p:nvSpPr>
         <p:spPr>
           <a:xfrm>
-            <a:off x="1100051" y="4455620"/>
-            <a:ext cx="10058400" cy="1143000"/>
+            <a:off x="1709530" y="3869634"/>
+            <a:ext cx="8767860" cy="1388165"/>
           </a:xfrm>
         </p:spPr>
         <p:txBody>
-          <a:bodyPr lIns="91440" rIns="91440">
+          <a:bodyPr>
             <a:normAutofit/>
           </a:bodyPr>
           <a:lstStyle>
-            <a:lvl1pPr marL="0" indent="0" algn="l">
+            <a:lvl1pPr marL="0" indent="0" algn="ctr">
               <a:buNone/>
-              <a:defRPr sz="2400" cap="all" spc="200" baseline="0">
+              <a:defRPr sz="2200">
                 <a:solidFill>
-                  <a:schemeClr val="tx2"/>
+                  <a:srgbClr val="FFFFFF"/>
                 </a:solidFill>
-                <a:latin typeface="+mj-lt"/>
               </a:defRPr>
             </a:lvl1pPr>
             <a:lvl2pPr marL="457200" indent="0" algn="ctr">
               <a:buNone/>
-              <a:defRPr sz="2400"/>
+              <a:defRPr sz="2200"/>
             </a:lvl2pPr>
             <a:lvl3pPr marL="914400" indent="0" algn="ctr">
               <a:buNone/>
-              <a:defRPr sz="2400"/>
+              <a:defRPr sz="2200"/>
             </a:lvl3pPr>
             <a:lvl4pPr marL="1371600" indent="0" algn="ctr">
               <a:buNone/>
@@ -383,11 +345,19 @@
         <p:spPr/>
         <p:txBody>
           <a:bodyPr/>
-          <a:lstStyle/>
+          <a:lstStyle>
+            <a:lvl1pPr>
+              <a:defRPr>
+                <a:solidFill>
+                  <a:srgbClr val="FFFFFF"/>
+                </a:solidFill>
+              </a:defRPr>
+            </a:lvl1pPr>
+          </a:lstStyle>
           <a:p>
             <a:fld id="{46D9A6F5-1E9F-4F7F-B335-C9B2093BF1AB}" type="datetimeFigureOut">
               <a:rPr lang="en-GB" smtClean="0"/>
-              <a:t>28/07/2016</a:t>
+              <a:t>04/08/2016</a:t>
             </a:fld>
             <a:endParaRPr lang="en-GB"/>
           </a:p>
@@ -406,7 +376,15 @@
         <p:spPr/>
         <p:txBody>
           <a:bodyPr/>
-          <a:lstStyle/>
+          <a:lstStyle>
+            <a:lvl1pPr>
+              <a:defRPr>
+                <a:solidFill>
+                  <a:srgbClr val="FFFFFF"/>
+                </a:solidFill>
+              </a:defRPr>
+            </a:lvl1pPr>
+          </a:lstStyle>
           <a:p>
             <a:endParaRPr lang="en-GB"/>
           </a:p>
@@ -425,7 +403,15 @@
         <p:spPr/>
         <p:txBody>
           <a:bodyPr/>
-          <a:lstStyle/>
+          <a:lstStyle>
+            <a:lvl1pPr>
+              <a:defRPr>
+                <a:solidFill>
+                  <a:srgbClr val="FFFFFF"/>
+                </a:solidFill>
+              </a:defRPr>
+            </a:lvl1pPr>
+          </a:lstStyle>
           <a:p>
             <a:fld id="{AEBEC5AE-8EEF-40C7-BCCC-42762EAC50D4}" type="slidenum">
               <a:rPr lang="en-GB" smtClean="0"/>
@@ -437,24 +423,21 @@
       </p:sp>
       <p:cxnSp>
         <p:nvCxnSpPr>
-          <p:cNvPr id="9" name="Straight Connector 8"/>
+          <p:cNvPr id="8" name="Straight Connector 7"/>
           <p:cNvCxnSpPr/>
           <p:nvPr/>
         </p:nvCxnSpPr>
         <p:spPr>
           <a:xfrm>
-            <a:off x="1207658" y="4343400"/>
-            <a:ext cx="9875520" cy="0"/>
+            <a:off x="1978660" y="3733800"/>
+            <a:ext cx="8229601" cy="0"/>
           </a:xfrm>
           <a:prstGeom prst="line">
             <a:avLst/>
           </a:prstGeom>
-          <a:ln w="6350">
+          <a:ln>
             <a:solidFill>
-              <a:schemeClr val="tx1">
-                <a:lumMod val="50000"/>
-                <a:lumOff val="50000"/>
-              </a:schemeClr>
+              <a:srgbClr val="FFFFFF"/>
             </a:solidFill>
           </a:ln>
         </p:spPr>
@@ -476,7 +459,7 @@
     </p:spTree>
     <p:extLst>
       <p:ext uri="{BB962C8B-B14F-4D97-AF65-F5344CB8AC3E}">
-        <p14:creationId xmlns:p14="http://schemas.microsoft.com/office/powerpoint/2010/main" val="27043748"/>
+        <p14:creationId xmlns:p14="http://schemas.microsoft.com/office/powerpoint/2010/main" val="1710717968"/>
       </p:ext>
     </p:extLst>
   </p:cSld>
@@ -538,7 +521,7 @@
         </p:nvSpPr>
         <p:spPr/>
         <p:txBody>
-          <a:bodyPr vert="eaVert" lIns="45720" tIns="0" rIns="45720" bIns="0"/>
+          <a:bodyPr vert="eaVert"/>
           <a:lstStyle/>
           <a:p>
             <a:pPr lvl="0"/>
@@ -595,7 +578,7 @@
           <a:p>
             <a:fld id="{46D9A6F5-1E9F-4F7F-B335-C9B2093BF1AB}" type="datetimeFigureOut">
               <a:rPr lang="en-GB" smtClean="0"/>
-              <a:t>28/07/2016</a:t>
+              <a:t>04/08/2016</a:t>
             </a:fld>
             <a:endParaRPr lang="en-GB"/>
           </a:p>
@@ -646,7 +629,7 @@
     </p:spTree>
     <p:extLst>
       <p:ext uri="{BB962C8B-B14F-4D97-AF65-F5344CB8AC3E}">
-        <p14:creationId xmlns:p14="http://schemas.microsoft.com/office/powerpoint/2010/main" val="720932125"/>
+        <p14:creationId xmlns:p14="http://schemas.microsoft.com/office/powerpoint/2010/main" val="3623304506"/>
       </p:ext>
     </p:extLst>
   </p:cSld>
@@ -657,7 +640,7 @@
 </file>
 
 <file path=ppt/slideLayouts/slideLayout11.xml><?xml version="1.0" encoding="utf-8"?>
-<p:sldLayout xmlns:a="http://schemas.openxmlformats.org/drawingml/2006/main" xmlns:r="http://schemas.openxmlformats.org/officeDocument/2006/relationships" xmlns:p="http://schemas.openxmlformats.org/presentationml/2006/main" showMasterSp="0" type="vertTitleAndTx" preserve="1">
+<p:sldLayout xmlns:a="http://schemas.openxmlformats.org/drawingml/2006/main" xmlns:r="http://schemas.openxmlformats.org/officeDocument/2006/relationships" xmlns:p="http://schemas.openxmlformats.org/presentationml/2006/main" type="vertTitleAndTx" preserve="1">
   <p:cSld name="Vertical Title and Text">
     <p:spTree>
       <p:nvGrpSpPr>
@@ -675,128 +658,52 @@
       </p:grpSpPr>
       <p:sp>
         <p:nvSpPr>
-          <p:cNvPr id="7" name="Rectangle 6"/>
-          <p:cNvSpPr/>
-          <p:nvPr/>
+          <p:cNvPr id="2" name="Vertical Title 1"/>
+          <p:cNvSpPr>
+            <a:spLocks noGrp="1"/>
+          </p:cNvSpPr>
+          <p:nvPr>
+            <p:ph type="title" orient="vert"/>
+          </p:nvPr>
         </p:nvSpPr>
         <p:spPr>
           <a:xfrm>
-            <a:off x="3175" y="6400800"/>
-            <a:ext cx="12188825" cy="457200"/>
+            <a:off x="8724900" y="762000"/>
+            <a:ext cx="2324100" cy="5410200"/>
           </a:xfrm>
-          <a:prstGeom prst="rect">
-            <a:avLst/>
-          </a:prstGeom>
-          <a:solidFill>
-            <a:schemeClr val="accent2"/>
-          </a:solidFill>
-          <a:ln>
-            <a:noFill/>
-          </a:ln>
         </p:spPr>
-        <p:style>
-          <a:lnRef idx="2">
-            <a:schemeClr val="accent1">
-              <a:shade val="50000"/>
-            </a:schemeClr>
-          </a:lnRef>
-          <a:fillRef idx="1">
-            <a:schemeClr val="accent1"/>
-          </a:fillRef>
-          <a:effectRef idx="0">
-            <a:schemeClr val="accent1"/>
-          </a:effectRef>
-          <a:fontRef idx="minor">
-            <a:schemeClr val="lt1"/>
-          </a:fontRef>
-        </p:style>
-      </p:sp>
-      <p:sp>
-        <p:nvSpPr>
-          <p:cNvPr id="8" name="Rectangle 7"/>
-          <p:cNvSpPr/>
-          <p:nvPr/>
+        <p:txBody>
+          <a:bodyPr vert="eaVert"/>
+          <a:lstStyle/>
+          <a:p>
+            <a:r>
+              <a:rPr lang="en-US" smtClean="0"/>
+              <a:t>Click to edit Master title style</a:t>
+            </a:r>
+            <a:endParaRPr lang="en-US" dirty="0"/>
+          </a:p>
+        </p:txBody>
+      </p:sp>
+      <p:sp>
+        <p:nvSpPr>
+          <p:cNvPr id="3" name="Vertical Text Placeholder 2"/>
+          <p:cNvSpPr>
+            <a:spLocks noGrp="1"/>
+          </p:cNvSpPr>
+          <p:nvPr>
+            <p:ph type="body" orient="vert" idx="1"/>
+          </p:nvPr>
         </p:nvSpPr>
         <p:spPr>
           <a:xfrm>
-            <a:off x="15" y="6334316"/>
-            <a:ext cx="12188825" cy="64008"/>
-          </a:xfrm>
-          <a:prstGeom prst="rect">
-            <a:avLst/>
-          </a:prstGeom>
-          <a:solidFill>
-            <a:schemeClr val="accent1"/>
-          </a:solidFill>
-          <a:ln>
-            <a:noFill/>
-          </a:ln>
-        </p:spPr>
-        <p:style>
-          <a:lnRef idx="2">
-            <a:schemeClr val="accent1">
-              <a:shade val="50000"/>
-            </a:schemeClr>
-          </a:lnRef>
-          <a:fillRef idx="1">
-            <a:schemeClr val="accent1"/>
-          </a:fillRef>
-          <a:effectRef idx="0">
-            <a:schemeClr val="accent1"/>
-          </a:effectRef>
-          <a:fontRef idx="minor">
-            <a:schemeClr val="lt1"/>
-          </a:fontRef>
-        </p:style>
-      </p:sp>
-      <p:sp>
-        <p:nvSpPr>
-          <p:cNvPr id="2" name="Vertical Title 1"/>
-          <p:cNvSpPr>
-            <a:spLocks noGrp="1"/>
-          </p:cNvSpPr>
-          <p:nvPr>
-            <p:ph type="title" orient="vert"/>
-          </p:nvPr>
-        </p:nvSpPr>
-        <p:spPr>
-          <a:xfrm>
-            <a:off x="8724900" y="414778"/>
-            <a:ext cx="2628900" cy="5757421"/>
+            <a:off x="1143000" y="762000"/>
+            <a:ext cx="7429500" cy="5410200"/>
           </a:xfrm>
         </p:spPr>
         <p:txBody>
           <a:bodyPr vert="eaVert"/>
           <a:lstStyle/>
           <a:p>
-            <a:r>
-              <a:rPr lang="en-US" smtClean="0"/>
-              <a:t>Click to edit Master title style</a:t>
-            </a:r>
-            <a:endParaRPr lang="en-US" dirty="0"/>
-          </a:p>
-        </p:txBody>
-      </p:sp>
-      <p:sp>
-        <p:nvSpPr>
-          <p:cNvPr id="3" name="Vertical Text Placeholder 2"/>
-          <p:cNvSpPr>
-            <a:spLocks noGrp="1"/>
-          </p:cNvSpPr>
-          <p:nvPr>
-            <p:ph type="body" orient="vert" idx="1"/>
-          </p:nvPr>
-        </p:nvSpPr>
-        <p:spPr>
-          <a:xfrm>
-            <a:off x="838200" y="414778"/>
-            <a:ext cx="7734300" cy="5757422"/>
-          </a:xfrm>
-        </p:spPr>
-        <p:txBody>
-          <a:bodyPr vert="eaVert" lIns="45720" tIns="0" rIns="45720" bIns="0"/>
-          <a:lstStyle/>
-          <a:p>
             <a:pPr lvl="0"/>
             <a:r>
               <a:rPr lang="en-US" smtClean="0"/>
@@ -851,7 +758,7 @@
           <a:p>
             <a:fld id="{46D9A6F5-1E9F-4F7F-B335-C9B2093BF1AB}" type="datetimeFigureOut">
               <a:rPr lang="en-GB" smtClean="0"/>
-              <a:t>28/07/2016</a:t>
+              <a:t>04/08/2016</a:t>
             </a:fld>
             <a:endParaRPr lang="en-GB"/>
           </a:p>
@@ -902,7 +809,7 @@
     </p:spTree>
     <p:extLst>
       <p:ext uri="{BB962C8B-B14F-4D97-AF65-F5344CB8AC3E}">
-        <p14:creationId xmlns:p14="http://schemas.microsoft.com/office/powerpoint/2010/main" val="4028792001"/>
+        <p14:creationId xmlns:p14="http://schemas.microsoft.com/office/powerpoint/2010/main" val="1796435653"/>
       </p:ext>
     </p:extLst>
   </p:cSld>
@@ -942,11 +849,7 @@
         <p:spPr/>
         <p:txBody>
           <a:bodyPr/>
-          <a:lstStyle>
-            <a:lvl1pPr marL="0">
-              <a:defRPr/>
-            </a:lvl1pPr>
-          </a:lstStyle>
+          <a:lstStyle/>
           <a:p>
             <a:r>
               <a:rPr lang="en-US" smtClean="0"/>
@@ -1025,7 +928,7 @@
           <a:p>
             <a:fld id="{46D9A6F5-1E9F-4F7F-B335-C9B2093BF1AB}" type="datetimeFigureOut">
               <a:rPr lang="en-GB" smtClean="0"/>
-              <a:t>28/07/2016</a:t>
+              <a:t>04/08/2016</a:t>
             </a:fld>
             <a:endParaRPr lang="en-GB"/>
           </a:p>
@@ -1076,7 +979,7 @@
     </p:spTree>
     <p:extLst>
       <p:ext uri="{BB962C8B-B14F-4D97-AF65-F5344CB8AC3E}">
-        <p14:creationId xmlns:p14="http://schemas.microsoft.com/office/powerpoint/2010/main" val="2326164817"/>
+        <p14:creationId xmlns:p14="http://schemas.microsoft.com/office/powerpoint/2010/main" val="1735047545"/>
       </p:ext>
     </p:extLst>
   </p:cSld>
@@ -1087,16 +990,8 @@
 </file>
 
 <file path=ppt/slideLayouts/slideLayout3.xml><?xml version="1.0" encoding="utf-8"?>
-<p:sldLayout xmlns:a="http://schemas.openxmlformats.org/drawingml/2006/main" xmlns:r="http://schemas.openxmlformats.org/officeDocument/2006/relationships" xmlns:p="http://schemas.openxmlformats.org/presentationml/2006/main" showMasterSp="0" type="secHead" preserve="1">
+<p:sldLayout xmlns:a="http://schemas.openxmlformats.org/drawingml/2006/main" xmlns:r="http://schemas.openxmlformats.org/officeDocument/2006/relationships" xmlns:p="http://schemas.openxmlformats.org/presentationml/2006/main" type="secHead" preserve="1">
   <p:cSld name="Section Header">
-    <p:bg>
-      <p:bgPr>
-        <a:solidFill>
-          <a:schemeClr val="bg1"/>
-        </a:solidFill>
-        <a:effectLst/>
-      </p:bgPr>
-    </p:bg>
     <p:spTree>
       <p:nvGrpSpPr>
         <p:cNvPr id="1" name=""/>
@@ -1113,152 +1008,68 @@
       </p:grpSpPr>
       <p:sp>
         <p:nvSpPr>
-          <p:cNvPr id="7" name="Rectangle 6"/>
-          <p:cNvSpPr/>
-          <p:nvPr/>
+          <p:cNvPr id="2" name="Title 1"/>
+          <p:cNvSpPr>
+            <a:spLocks noGrp="1"/>
+          </p:cNvSpPr>
+          <p:nvPr>
+            <p:ph type="title"/>
+          </p:nvPr>
         </p:nvSpPr>
         <p:spPr>
           <a:xfrm>
-            <a:off x="3175" y="6400800"/>
-            <a:ext cx="12188825" cy="457200"/>
+            <a:off x="1106424" y="1173575"/>
+            <a:ext cx="9966960" cy="2926080"/>
           </a:xfrm>
-          <a:prstGeom prst="rect">
-            <a:avLst/>
-          </a:prstGeom>
-          <a:solidFill>
-            <a:schemeClr val="accent2"/>
-          </a:solidFill>
-          <a:ln>
-            <a:noFill/>
-          </a:ln>
         </p:spPr>
-        <p:style>
-          <a:lnRef idx="2">
-            <a:schemeClr val="accent1">
-              <a:shade val="50000"/>
-            </a:schemeClr>
-          </a:lnRef>
-          <a:fillRef idx="1">
-            <a:schemeClr val="accent1"/>
-          </a:fillRef>
-          <a:effectRef idx="0">
-            <a:schemeClr val="accent1"/>
-          </a:effectRef>
-          <a:fontRef idx="minor">
-            <a:schemeClr val="lt1"/>
-          </a:fontRef>
-        </p:style>
-      </p:sp>
-      <p:sp>
-        <p:nvSpPr>
-          <p:cNvPr id="8" name="Rectangle 7"/>
-          <p:cNvSpPr/>
-          <p:nvPr/>
+        <p:txBody>
+          <a:bodyPr anchor="b">
+            <a:noAutofit/>
+          </a:bodyPr>
+          <a:lstStyle>
+            <a:lvl1pPr algn="ctr">
+              <a:lnSpc>
+                <a:spcPct val="85000"/>
+              </a:lnSpc>
+              <a:defRPr sz="7200" b="0" cap="all" baseline="0"/>
+            </a:lvl1pPr>
+          </a:lstStyle>
+          <a:p>
+            <a:r>
+              <a:rPr lang="en-US" smtClean="0"/>
+              <a:t>Click to edit Master title style</a:t>
+            </a:r>
+            <a:endParaRPr lang="en-US" dirty="0"/>
+          </a:p>
+        </p:txBody>
+      </p:sp>
+      <p:sp>
+        <p:nvSpPr>
+          <p:cNvPr id="3" name="Text Placeholder 2"/>
+          <p:cNvSpPr>
+            <a:spLocks noGrp="1"/>
+          </p:cNvSpPr>
+          <p:nvPr>
+            <p:ph type="body" idx="1"/>
+          </p:nvPr>
         </p:nvSpPr>
         <p:spPr>
           <a:xfrm>
-            <a:off x="15" y="6334316"/>
-            <a:ext cx="12188825" cy="64008"/>
-          </a:xfrm>
-          <a:prstGeom prst="rect">
-            <a:avLst/>
-          </a:prstGeom>
-          <a:solidFill>
-            <a:schemeClr val="accent1"/>
-          </a:solidFill>
-          <a:ln>
-            <a:noFill/>
-          </a:ln>
-        </p:spPr>
-        <p:style>
-          <a:lnRef idx="2">
-            <a:schemeClr val="accent1">
-              <a:shade val="50000"/>
-            </a:schemeClr>
-          </a:lnRef>
-          <a:fillRef idx="1">
-            <a:schemeClr val="accent1"/>
-          </a:fillRef>
-          <a:effectRef idx="0">
-            <a:schemeClr val="accent1"/>
-          </a:effectRef>
-          <a:fontRef idx="minor">
-            <a:schemeClr val="lt1"/>
-          </a:fontRef>
-        </p:style>
-      </p:sp>
-      <p:sp>
-        <p:nvSpPr>
-          <p:cNvPr id="2" name="Title 1"/>
-          <p:cNvSpPr>
-            <a:spLocks noGrp="1"/>
-          </p:cNvSpPr>
-          <p:nvPr>
-            <p:ph type="title"/>
-          </p:nvPr>
-        </p:nvSpPr>
-        <p:spPr>
-          <a:xfrm>
-            <a:off x="1097280" y="758952"/>
-            <a:ext cx="10058400" cy="3566160"/>
+            <a:off x="1709928" y="4154520"/>
+            <a:ext cx="8769096" cy="1363806"/>
           </a:xfrm>
         </p:spPr>
         <p:txBody>
-          <a:bodyPr anchor="b" anchorCtr="0">
+          <a:bodyPr anchor="t">
             <a:normAutofit/>
           </a:bodyPr>
           <a:lstStyle>
-            <a:lvl1pPr>
-              <a:lnSpc>
-                <a:spcPct val="85000"/>
-              </a:lnSpc>
-              <a:defRPr sz="8000" b="0">
+            <a:lvl1pPr marL="0" indent="0" algn="ctr">
+              <a:buNone/>
+              <a:defRPr sz="2200">
                 <a:solidFill>
-                  <a:schemeClr val="tx1">
-                    <a:lumMod val="85000"/>
-                    <a:lumOff val="15000"/>
-                  </a:schemeClr>
+                  <a:schemeClr val="accent1"/>
                 </a:solidFill>
-              </a:defRPr>
-            </a:lvl1pPr>
-          </a:lstStyle>
-          <a:p>
-            <a:r>
-              <a:rPr lang="en-US" smtClean="0"/>
-              <a:t>Click to edit Master title style</a:t>
-            </a:r>
-            <a:endParaRPr lang="en-US" dirty="0"/>
-          </a:p>
-        </p:txBody>
-      </p:sp>
-      <p:sp>
-        <p:nvSpPr>
-          <p:cNvPr id="3" name="Text Placeholder 2"/>
-          <p:cNvSpPr>
-            <a:spLocks noGrp="1"/>
-          </p:cNvSpPr>
-          <p:nvPr>
-            <p:ph type="body" idx="1"/>
-          </p:nvPr>
-        </p:nvSpPr>
-        <p:spPr>
-          <a:xfrm>
-            <a:off x="1097280" y="4453128"/>
-            <a:ext cx="10058400" cy="1143000"/>
-          </a:xfrm>
-        </p:spPr>
-        <p:txBody>
-          <a:bodyPr lIns="91440" rIns="91440" anchor="t" anchorCtr="0">
-            <a:normAutofit/>
-          </a:bodyPr>
-          <a:lstStyle>
-            <a:lvl1pPr marL="0" indent="0">
-              <a:buNone/>
-              <a:defRPr sz="2400" cap="all" spc="200" baseline="0">
-                <a:solidFill>
-                  <a:schemeClr val="tx2"/>
-                </a:solidFill>
-                <a:latin typeface="+mj-lt"/>
               </a:defRPr>
             </a:lvl1pPr>
             <a:lvl2pPr marL="457200" indent="0">
@@ -1368,7 +1179,7 @@
           <a:p>
             <a:fld id="{46D9A6F5-1E9F-4F7F-B335-C9B2093BF1AB}" type="datetimeFigureOut">
               <a:rPr lang="en-GB" smtClean="0"/>
-              <a:t>28/07/2016</a:t>
+              <a:t>04/08/2016</a:t>
             </a:fld>
             <a:endParaRPr lang="en-GB"/>
           </a:p>
@@ -1418,24 +1229,21 @@
       </p:sp>
       <p:cxnSp>
         <p:nvCxnSpPr>
-          <p:cNvPr id="9" name="Straight Connector 8"/>
+          <p:cNvPr id="7" name="Straight Connector 6"/>
           <p:cNvCxnSpPr/>
           <p:nvPr/>
         </p:nvCxnSpPr>
         <p:spPr>
           <a:xfrm>
-            <a:off x="1207658" y="4343400"/>
-            <a:ext cx="9875520" cy="0"/>
+            <a:off x="1981200" y="4020408"/>
+            <a:ext cx="8229601" cy="0"/>
           </a:xfrm>
           <a:prstGeom prst="line">
             <a:avLst/>
           </a:prstGeom>
-          <a:ln w="6350">
+          <a:ln>
             <a:solidFill>
-              <a:schemeClr val="tx1">
-                <a:lumMod val="50000"/>
-                <a:lumOff val="50000"/>
-              </a:schemeClr>
+              <a:schemeClr val="accent1"/>
             </a:solidFill>
           </a:ln>
         </p:spPr>
@@ -1457,7 +1265,7 @@
     </p:spTree>
     <p:extLst>
       <p:ext uri="{BB962C8B-B14F-4D97-AF65-F5344CB8AC3E}">
-        <p14:creationId xmlns:p14="http://schemas.microsoft.com/office/powerpoint/2010/main" val="1791276377"/>
+        <p14:creationId xmlns:p14="http://schemas.microsoft.com/office/powerpoint/2010/main" val="10927198"/>
       </p:ext>
     </p:extLst>
   </p:cSld>
@@ -1494,19 +1302,99 @@
             <p:ph type="title"/>
           </p:nvPr>
         </p:nvSpPr>
+        <p:spPr/>
+        <p:txBody>
+          <a:bodyPr/>
+          <a:lstStyle/>
+          <a:p>
+            <a:r>
+              <a:rPr lang="en-US" smtClean="0"/>
+              <a:t>Click to edit Master title style</a:t>
+            </a:r>
+            <a:endParaRPr lang="en-US" dirty="0"/>
+          </a:p>
+        </p:txBody>
+      </p:sp>
+      <p:sp>
+        <p:nvSpPr>
+          <p:cNvPr id="3" name="Content Placeholder 2"/>
+          <p:cNvSpPr>
+            <a:spLocks noGrp="1"/>
+          </p:cNvSpPr>
+          <p:nvPr>
+            <p:ph sz="half" idx="1"/>
+          </p:nvPr>
+        </p:nvSpPr>
         <p:spPr>
           <a:xfrm>
-            <a:off x="1097280" y="286603"/>
-            <a:ext cx="10058400" cy="1450757"/>
+            <a:off x="1143000" y="2057399"/>
+            <a:ext cx="4754880" cy="4023360"/>
           </a:xfrm>
         </p:spPr>
         <p:txBody>
           <a:bodyPr/>
-          <a:lstStyle/>
-          <a:p>
+          <a:lstStyle>
+            <a:lvl1pPr>
+              <a:defRPr sz="2200"/>
+            </a:lvl1pPr>
+            <a:lvl2pPr>
+              <a:defRPr sz="2000"/>
+            </a:lvl2pPr>
+            <a:lvl3pPr>
+              <a:defRPr sz="1800"/>
+            </a:lvl3pPr>
+            <a:lvl4pPr>
+              <a:defRPr sz="1600"/>
+            </a:lvl4pPr>
+            <a:lvl5pPr>
+              <a:defRPr sz="1600"/>
+            </a:lvl5pPr>
+            <a:lvl6pPr>
+              <a:defRPr sz="1600"/>
+            </a:lvl6pPr>
+            <a:lvl7pPr>
+              <a:defRPr sz="1600"/>
+            </a:lvl7pPr>
+            <a:lvl8pPr>
+              <a:defRPr sz="1600"/>
+            </a:lvl8pPr>
+            <a:lvl9pPr>
+              <a:defRPr sz="1600"/>
+            </a:lvl9pPr>
+          </a:lstStyle>
+          <a:p>
+            <a:pPr lvl="0"/>
             <a:r>
               <a:rPr lang="en-US" smtClean="0"/>
-              <a:t>Click to edit Master title style</a:t>
+              <a:t>Click to edit Master text styles</a:t>
+            </a:r>
+          </a:p>
+          <a:p>
+            <a:pPr lvl="1"/>
+            <a:r>
+              <a:rPr lang="en-US" smtClean="0"/>
+              <a:t>Second level</a:t>
+            </a:r>
+          </a:p>
+          <a:p>
+            <a:pPr lvl="2"/>
+            <a:r>
+              <a:rPr lang="en-US" smtClean="0"/>
+              <a:t>Third level</a:t>
+            </a:r>
+          </a:p>
+          <a:p>
+            <a:pPr lvl="3"/>
+            <a:r>
+              <a:rPr lang="en-US" smtClean="0"/>
+              <a:t>Fourth level</a:t>
+            </a:r>
+          </a:p>
+          <a:p>
+            <a:pPr lvl="4"/>
+            <a:r>
+              <a:rPr lang="en-US" smtClean="0"/>
+              <a:t>Fifth level</a:t>
             </a:r>
             <a:endParaRPr lang="en-US" dirty="0"/>
           </a:p>
@@ -1514,23 +1402,51 @@
       </p:sp>
       <p:sp>
         <p:nvSpPr>
-          <p:cNvPr id="3" name="Content Placeholder 2"/>
-          <p:cNvSpPr>
-            <a:spLocks noGrp="1"/>
-          </p:cNvSpPr>
-          <p:nvPr>
-            <p:ph sz="half" idx="1"/>
+          <p:cNvPr id="4" name="Content Placeholder 3"/>
+          <p:cNvSpPr>
+            <a:spLocks noGrp="1"/>
+          </p:cNvSpPr>
+          <p:nvPr>
+            <p:ph sz="half" idx="2"/>
           </p:nvPr>
         </p:nvSpPr>
         <p:spPr>
           <a:xfrm>
-            <a:off x="1097279" y="1845734"/>
-            <a:ext cx="4937760" cy="4023360"/>
+            <a:off x="6267612" y="2057400"/>
+            <a:ext cx="4754880" cy="4023360"/>
           </a:xfrm>
         </p:spPr>
         <p:txBody>
           <a:bodyPr/>
-          <a:lstStyle/>
+          <a:lstStyle>
+            <a:lvl1pPr>
+              <a:defRPr sz="2200"/>
+            </a:lvl1pPr>
+            <a:lvl2pPr>
+              <a:defRPr sz="2000"/>
+            </a:lvl2pPr>
+            <a:lvl3pPr>
+              <a:defRPr sz="1800"/>
+            </a:lvl3pPr>
+            <a:lvl4pPr>
+              <a:defRPr sz="1600"/>
+            </a:lvl4pPr>
+            <a:lvl5pPr>
+              <a:defRPr sz="1600"/>
+            </a:lvl5pPr>
+            <a:lvl6pPr>
+              <a:defRPr sz="1600"/>
+            </a:lvl6pPr>
+            <a:lvl7pPr>
+              <a:defRPr sz="1600"/>
+            </a:lvl7pPr>
+            <a:lvl8pPr>
+              <a:defRPr sz="1600"/>
+            </a:lvl8pPr>
+            <a:lvl9pPr>
+              <a:defRPr sz="1600"/>
+            </a:lvl9pPr>
+          </a:lstStyle>
           <a:p>
             <a:pPr lvl="0"/>
             <a:r>
@@ -1571,63 +1487,6 @@
       </p:sp>
       <p:sp>
         <p:nvSpPr>
-          <p:cNvPr id="4" name="Content Placeholder 3"/>
-          <p:cNvSpPr>
-            <a:spLocks noGrp="1"/>
-          </p:cNvSpPr>
-          <p:nvPr>
-            <p:ph sz="half" idx="2"/>
-          </p:nvPr>
-        </p:nvSpPr>
-        <p:spPr>
-          <a:xfrm>
-            <a:off x="6217920" y="1845735"/>
-            <a:ext cx="4937760" cy="4023360"/>
-          </a:xfrm>
-        </p:spPr>
-        <p:txBody>
-          <a:bodyPr/>
-          <a:lstStyle/>
-          <a:p>
-            <a:pPr lvl="0"/>
-            <a:r>
-              <a:rPr lang="en-US" smtClean="0"/>
-              <a:t>Click to edit Master text styles</a:t>
-            </a:r>
-          </a:p>
-          <a:p>
-            <a:pPr lvl="1"/>
-            <a:r>
-              <a:rPr lang="en-US" smtClean="0"/>
-              <a:t>Second level</a:t>
-            </a:r>
-          </a:p>
-          <a:p>
-            <a:pPr lvl="2"/>
-            <a:r>
-              <a:rPr lang="en-US" smtClean="0"/>
-              <a:t>Third level</a:t>
-            </a:r>
-          </a:p>
-          <a:p>
-            <a:pPr lvl="3"/>
-            <a:r>
-              <a:rPr lang="en-US" smtClean="0"/>
-              <a:t>Fourth level</a:t>
-            </a:r>
-          </a:p>
-          <a:p>
-            <a:pPr lvl="4"/>
-            <a:r>
-              <a:rPr lang="en-US" smtClean="0"/>
-              <a:t>Fifth level</a:t>
-            </a:r>
-            <a:endParaRPr lang="en-US" dirty="0"/>
-          </a:p>
-        </p:txBody>
-      </p:sp>
-      <p:sp>
-        <p:nvSpPr>
           <p:cNvPr id="5" name="Date Placeholder 4"/>
           <p:cNvSpPr>
             <a:spLocks noGrp="1"/>
@@ -1643,7 +1502,7 @@
           <a:p>
             <a:fld id="{46D9A6F5-1E9F-4F7F-B335-C9B2093BF1AB}" type="datetimeFigureOut">
               <a:rPr lang="en-GB" smtClean="0"/>
-              <a:t>28/07/2016</a:t>
+              <a:t>04/08/2016</a:t>
             </a:fld>
             <a:endParaRPr lang="en-GB"/>
           </a:p>
@@ -1694,7 +1553,7 @@
     </p:spTree>
     <p:extLst>
       <p:ext uri="{BB962C8B-B14F-4D97-AF65-F5344CB8AC3E}">
-        <p14:creationId xmlns:p14="http://schemas.microsoft.com/office/powerpoint/2010/main" val="1693819156"/>
+        <p14:creationId xmlns:p14="http://schemas.microsoft.com/office/powerpoint/2010/main" val="2972364006"/>
       </p:ext>
     </p:extLst>
   </p:cSld>
@@ -1731,52 +1590,44 @@
             <p:ph type="title"/>
           </p:nvPr>
         </p:nvSpPr>
+        <p:spPr/>
+        <p:txBody>
+          <a:bodyPr/>
+          <a:lstStyle/>
+          <a:p>
+            <a:r>
+              <a:rPr lang="en-US" smtClean="0"/>
+              <a:t>Click to edit Master title style</a:t>
+            </a:r>
+            <a:endParaRPr lang="en-US" dirty="0"/>
+          </a:p>
+        </p:txBody>
+      </p:sp>
+      <p:sp>
+        <p:nvSpPr>
+          <p:cNvPr id="3" name="Text Placeholder 2"/>
+          <p:cNvSpPr>
+            <a:spLocks noGrp="1"/>
+          </p:cNvSpPr>
+          <p:nvPr>
+            <p:ph type="body" idx="1"/>
+          </p:nvPr>
+        </p:nvSpPr>
         <p:spPr>
           <a:xfrm>
-            <a:off x="1097280" y="286603"/>
-            <a:ext cx="10058400" cy="1450757"/>
+            <a:off x="1143000" y="2001511"/>
+            <a:ext cx="4754880" cy="777240"/>
           </a:xfrm>
         </p:spPr>
         <p:txBody>
-          <a:bodyPr/>
-          <a:lstStyle/>
-          <a:p>
-            <a:r>
-              <a:rPr lang="en-US" smtClean="0"/>
-              <a:t>Click to edit Master title style</a:t>
-            </a:r>
-            <a:endParaRPr lang="en-US" dirty="0"/>
-          </a:p>
-        </p:txBody>
-      </p:sp>
-      <p:sp>
-        <p:nvSpPr>
-          <p:cNvPr id="3" name="Text Placeholder 2"/>
-          <p:cNvSpPr>
-            <a:spLocks noGrp="1"/>
-          </p:cNvSpPr>
-          <p:nvPr>
-            <p:ph type="body" idx="1"/>
-          </p:nvPr>
-        </p:nvSpPr>
-        <p:spPr>
-          <a:xfrm>
-            <a:off x="1097280" y="1846052"/>
-            <a:ext cx="4937760" cy="736282"/>
-          </a:xfrm>
-        </p:spPr>
-        <p:txBody>
-          <a:bodyPr lIns="91440" rIns="91440" anchor="ctr">
-            <a:normAutofit/>
-          </a:bodyPr>
+          <a:bodyPr anchor="ctr"/>
           <a:lstStyle>
             <a:lvl1pPr marL="0" indent="0">
+              <a:spcBef>
+                <a:spcPts val="0"/>
+              </a:spcBef>
               <a:buNone/>
-              <a:defRPr sz="2000" b="0" cap="all" baseline="0">
-                <a:solidFill>
-                  <a:schemeClr val="tx2"/>
-                </a:solidFill>
-              </a:defRPr>
+              <a:defRPr sz="2400" b="1"/>
             </a:lvl1pPr>
             <a:lvl2pPr marL="457200" indent="0">
               <a:buNone/>
@@ -1832,13 +1683,41 @@
         </p:nvSpPr>
         <p:spPr>
           <a:xfrm>
-            <a:off x="1097280" y="2582334"/>
-            <a:ext cx="4937760" cy="3378200"/>
+            <a:off x="1143000" y="2721483"/>
+            <a:ext cx="4754880" cy="3383280"/>
           </a:xfrm>
         </p:spPr>
         <p:txBody>
           <a:bodyPr/>
-          <a:lstStyle/>
+          <a:lstStyle>
+            <a:lvl1pPr>
+              <a:defRPr sz="2200"/>
+            </a:lvl1pPr>
+            <a:lvl2pPr>
+              <a:defRPr sz="2000"/>
+            </a:lvl2pPr>
+            <a:lvl3pPr>
+              <a:defRPr sz="1800"/>
+            </a:lvl3pPr>
+            <a:lvl4pPr>
+              <a:defRPr sz="1600"/>
+            </a:lvl4pPr>
+            <a:lvl5pPr>
+              <a:defRPr sz="1600"/>
+            </a:lvl5pPr>
+            <a:lvl6pPr>
+              <a:defRPr sz="1600"/>
+            </a:lvl6pPr>
+            <a:lvl7pPr>
+              <a:defRPr sz="1600"/>
+            </a:lvl7pPr>
+            <a:lvl8pPr>
+              <a:defRPr sz="1600"/>
+            </a:lvl8pPr>
+            <a:lvl9pPr>
+              <a:defRPr sz="1600"/>
+            </a:lvl9pPr>
+          </a:lstStyle>
           <a:p>
             <a:pPr lvl="0"/>
             <a:r>
@@ -1889,22 +1768,19 @@
         </p:nvSpPr>
         <p:spPr>
           <a:xfrm>
-            <a:off x="6217920" y="1846052"/>
-            <a:ext cx="4937760" cy="736282"/>
+            <a:off x="6269173" y="1999032"/>
+            <a:ext cx="4754880" cy="777240"/>
           </a:xfrm>
         </p:spPr>
         <p:txBody>
-          <a:bodyPr lIns="91440" rIns="91440" anchor="ctr">
-            <a:normAutofit/>
-          </a:bodyPr>
+          <a:bodyPr anchor="ctr"/>
           <a:lstStyle>
             <a:lvl1pPr marL="0" indent="0">
+              <a:spcBef>
+                <a:spcPts val="0"/>
+              </a:spcBef>
               <a:buNone/>
-              <a:defRPr sz="2000" b="0" cap="all" baseline="0">
-                <a:solidFill>
-                  <a:schemeClr val="tx2"/>
-                </a:solidFill>
-              </a:defRPr>
+              <a:defRPr sz="2400" b="1"/>
             </a:lvl1pPr>
             <a:lvl2pPr marL="457200" indent="0">
               <a:buNone/>
@@ -1960,13 +1836,41 @@
         </p:nvSpPr>
         <p:spPr>
           <a:xfrm>
-            <a:off x="6217920" y="2582334"/>
-            <a:ext cx="4937760" cy="3378200"/>
+            <a:off x="6269173" y="2719322"/>
+            <a:ext cx="4754880" cy="3383280"/>
           </a:xfrm>
         </p:spPr>
         <p:txBody>
           <a:bodyPr/>
-          <a:lstStyle/>
+          <a:lstStyle>
+            <a:lvl1pPr>
+              <a:defRPr sz="2200"/>
+            </a:lvl1pPr>
+            <a:lvl2pPr>
+              <a:defRPr sz="2000"/>
+            </a:lvl2pPr>
+            <a:lvl3pPr>
+              <a:defRPr sz="1800"/>
+            </a:lvl3pPr>
+            <a:lvl4pPr>
+              <a:defRPr sz="1600"/>
+            </a:lvl4pPr>
+            <a:lvl5pPr>
+              <a:defRPr sz="1600"/>
+            </a:lvl5pPr>
+            <a:lvl6pPr>
+              <a:defRPr sz="1600"/>
+            </a:lvl6pPr>
+            <a:lvl7pPr>
+              <a:defRPr sz="1600"/>
+            </a:lvl7pPr>
+            <a:lvl8pPr>
+              <a:defRPr sz="1600"/>
+            </a:lvl8pPr>
+            <a:lvl9pPr>
+              <a:defRPr sz="1600"/>
+            </a:lvl9pPr>
+          </a:lstStyle>
           <a:p>
             <a:pPr lvl="0"/>
             <a:r>
@@ -2022,7 +1926,7 @@
           <a:p>
             <a:fld id="{46D9A6F5-1E9F-4F7F-B335-C9B2093BF1AB}" type="datetimeFigureOut">
               <a:rPr lang="en-GB" smtClean="0"/>
-              <a:t>28/07/2016</a:t>
+              <a:t>04/08/2016</a:t>
             </a:fld>
             <a:endParaRPr lang="en-GB"/>
           </a:p>
@@ -2073,7 +1977,7 @@
     </p:spTree>
     <p:extLst>
       <p:ext uri="{BB962C8B-B14F-4D97-AF65-F5344CB8AC3E}">
-        <p14:creationId xmlns:p14="http://schemas.microsoft.com/office/powerpoint/2010/main" val="200746962"/>
+        <p14:creationId xmlns:p14="http://schemas.microsoft.com/office/powerpoint/2010/main" val="3390425802"/>
       </p:ext>
     </p:extLst>
   </p:cSld>
@@ -2140,7 +2044,7 @@
           <a:p>
             <a:fld id="{46D9A6F5-1E9F-4F7F-B335-C9B2093BF1AB}" type="datetimeFigureOut">
               <a:rPr lang="en-GB" smtClean="0"/>
-              <a:t>28/07/2016</a:t>
+              <a:t>04/08/2016</a:t>
             </a:fld>
             <a:endParaRPr lang="en-GB"/>
           </a:p>
@@ -2191,7 +2095,7 @@
     </p:spTree>
     <p:extLst>
       <p:ext uri="{BB962C8B-B14F-4D97-AF65-F5344CB8AC3E}">
-        <p14:creationId xmlns:p14="http://schemas.microsoft.com/office/powerpoint/2010/main" val="1613601010"/>
+        <p14:creationId xmlns:p14="http://schemas.microsoft.com/office/powerpoint/2010/main" val="3744930472"/>
       </p:ext>
     </p:extLst>
   </p:cSld>
@@ -2202,7 +2106,7 @@
 </file>
 
 <file path=ppt/slideLayouts/slideLayout7.xml><?xml version="1.0" encoding="utf-8"?>
-<p:sldLayout xmlns:a="http://schemas.openxmlformats.org/drawingml/2006/main" xmlns:r="http://schemas.openxmlformats.org/officeDocument/2006/relationships" xmlns:p="http://schemas.openxmlformats.org/presentationml/2006/main" showMasterSp="0" type="blank" preserve="1">
+<p:sldLayout xmlns:a="http://schemas.openxmlformats.org/drawingml/2006/main" xmlns:r="http://schemas.openxmlformats.org/officeDocument/2006/relationships" xmlns:p="http://schemas.openxmlformats.org/presentationml/2006/main" type="blank" preserve="1">
   <p:cSld name="Blank">
     <p:spTree>
       <p:nvGrpSpPr>
@@ -2220,83 +2124,7 @@
       </p:grpSpPr>
       <p:sp>
         <p:nvSpPr>
-          <p:cNvPr id="5" name="Rectangle 4"/>
-          <p:cNvSpPr/>
-          <p:nvPr/>
-        </p:nvSpPr>
-        <p:spPr>
-          <a:xfrm>
-            <a:off x="3175" y="6400800"/>
-            <a:ext cx="12188825" cy="457200"/>
-          </a:xfrm>
-          <a:prstGeom prst="rect">
-            <a:avLst/>
-          </a:prstGeom>
-          <a:solidFill>
-            <a:schemeClr val="accent2"/>
-          </a:solidFill>
-          <a:ln>
-            <a:noFill/>
-          </a:ln>
-        </p:spPr>
-        <p:style>
-          <a:lnRef idx="2">
-            <a:schemeClr val="accent1">
-              <a:shade val="50000"/>
-            </a:schemeClr>
-          </a:lnRef>
-          <a:fillRef idx="1">
-            <a:schemeClr val="accent1"/>
-          </a:fillRef>
-          <a:effectRef idx="0">
-            <a:schemeClr val="accent1"/>
-          </a:effectRef>
-          <a:fontRef idx="minor">
-            <a:schemeClr val="lt1"/>
-          </a:fontRef>
-        </p:style>
-      </p:sp>
-      <p:sp>
-        <p:nvSpPr>
-          <p:cNvPr id="6" name="Rectangle 5"/>
-          <p:cNvSpPr/>
-          <p:nvPr/>
-        </p:nvSpPr>
-        <p:spPr>
-          <a:xfrm>
-            <a:off x="15" y="6334316"/>
-            <a:ext cx="12188825" cy="64008"/>
-          </a:xfrm>
-          <a:prstGeom prst="rect">
-            <a:avLst/>
-          </a:prstGeom>
-          <a:solidFill>
-            <a:schemeClr val="accent1"/>
-          </a:solidFill>
-          <a:ln>
-            <a:noFill/>
-          </a:ln>
-        </p:spPr>
-        <p:style>
-          <a:lnRef idx="2">
-            <a:schemeClr val="accent1">
-              <a:shade val="50000"/>
-            </a:schemeClr>
-          </a:lnRef>
-          <a:fillRef idx="1">
-            <a:schemeClr val="accent1"/>
-          </a:fillRef>
-          <a:effectRef idx="0">
-            <a:schemeClr val="accent1"/>
-          </a:effectRef>
-          <a:fontRef idx="minor">
-            <a:schemeClr val="lt1"/>
-          </a:fontRef>
-        </p:style>
-      </p:sp>
-      <p:sp>
-        <p:nvSpPr>
-          <p:cNvPr id="7" name="Date Placeholder 6"/>
+          <p:cNvPr id="2" name="Date Placeholder 1"/>
           <p:cNvSpPr>
             <a:spLocks noGrp="1"/>
           </p:cNvSpPr>
@@ -2311,7 +2139,7 @@
           <a:p>
             <a:fld id="{46D9A6F5-1E9F-4F7F-B335-C9B2093BF1AB}" type="datetimeFigureOut">
               <a:rPr lang="en-GB" smtClean="0"/>
-              <a:t>28/07/2016</a:t>
+              <a:t>04/08/2016</a:t>
             </a:fld>
             <a:endParaRPr lang="en-GB"/>
           </a:p>
@@ -2319,7 +2147,7 @@
       </p:sp>
       <p:sp>
         <p:nvSpPr>
-          <p:cNvPr id="8" name="Footer Placeholder 7"/>
+          <p:cNvPr id="3" name="Footer Placeholder 2"/>
           <p:cNvSpPr>
             <a:spLocks noGrp="1"/>
           </p:cNvSpPr>
@@ -2330,15 +2158,7 @@
         <p:spPr/>
         <p:txBody>
           <a:bodyPr/>
-          <a:lstStyle>
-            <a:lvl1pPr>
-              <a:defRPr>
-                <a:solidFill>
-                  <a:srgbClr val="FFFFFF"/>
-                </a:solidFill>
-              </a:defRPr>
-            </a:lvl1pPr>
-          </a:lstStyle>
+          <a:lstStyle/>
           <a:p>
             <a:endParaRPr lang="en-GB"/>
           </a:p>
@@ -2346,7 +2166,7 @@
       </p:sp>
       <p:sp>
         <p:nvSpPr>
-          <p:cNvPr id="9" name="Slide Number Placeholder 8"/>
+          <p:cNvPr id="4" name="Slide Number Placeholder 3"/>
           <p:cNvSpPr>
             <a:spLocks noGrp="1"/>
           </p:cNvSpPr>
@@ -2370,7 +2190,7 @@
     </p:spTree>
     <p:extLst>
       <p:ext uri="{BB962C8B-B14F-4D97-AF65-F5344CB8AC3E}">
-        <p14:creationId xmlns:p14="http://schemas.microsoft.com/office/powerpoint/2010/main" val="1930532757"/>
+        <p14:creationId xmlns:p14="http://schemas.microsoft.com/office/powerpoint/2010/main" val="2542905490"/>
       </p:ext>
     </p:extLst>
   </p:cSld>
@@ -2381,7 +2201,7 @@
 </file>
 
 <file path=ppt/slideLayouts/slideLayout8.xml><?xml version="1.0" encoding="utf-8"?>
-<p:sldLayout xmlns:a="http://schemas.openxmlformats.org/drawingml/2006/main" xmlns:r="http://schemas.openxmlformats.org/officeDocument/2006/relationships" xmlns:p="http://schemas.openxmlformats.org/presentationml/2006/main" showMasterSp="0" type="objTx" preserve="1">
+<p:sldLayout xmlns:a="http://schemas.openxmlformats.org/drawingml/2006/main" xmlns:r="http://schemas.openxmlformats.org/officeDocument/2006/relationships" xmlns:p="http://schemas.openxmlformats.org/presentationml/2006/main" type="objTx" preserve="1">
   <p:cSld name="Content with Caption">
     <p:spTree>
       <p:nvGrpSpPr>
@@ -2399,107 +2219,30 @@
       </p:grpSpPr>
       <p:sp>
         <p:nvSpPr>
-          <p:cNvPr id="8" name="Rectangle 7"/>
-          <p:cNvSpPr/>
-          <p:nvPr/>
+          <p:cNvPr id="2" name="Title 1"/>
+          <p:cNvSpPr>
+            <a:spLocks noGrp="1"/>
+          </p:cNvSpPr>
+          <p:nvPr>
+            <p:ph type="title"/>
+          </p:nvPr>
         </p:nvSpPr>
         <p:spPr>
           <a:xfrm>
-            <a:off x="16" y="0"/>
-            <a:ext cx="4050791" cy="6858000"/>
-          </a:xfrm>
-          <a:prstGeom prst="rect">
-            <a:avLst/>
-          </a:prstGeom>
-          <a:solidFill>
-            <a:schemeClr val="accent2"/>
-          </a:solidFill>
-          <a:ln>
-            <a:noFill/>
-          </a:ln>
-        </p:spPr>
-        <p:style>
-          <a:lnRef idx="2">
-            <a:schemeClr val="accent1">
-              <a:shade val="50000"/>
-            </a:schemeClr>
-          </a:lnRef>
-          <a:fillRef idx="1">
-            <a:schemeClr val="accent1"/>
-          </a:fillRef>
-          <a:effectRef idx="0">
-            <a:schemeClr val="accent1"/>
-          </a:effectRef>
-          <a:fontRef idx="minor">
-            <a:schemeClr val="lt1"/>
-          </a:fontRef>
-        </p:style>
-      </p:sp>
-      <p:sp>
-        <p:nvSpPr>
-          <p:cNvPr id="9" name="Rectangle 8"/>
-          <p:cNvSpPr/>
-          <p:nvPr/>
-        </p:nvSpPr>
-        <p:spPr>
-          <a:xfrm>
-            <a:off x="4040071" y="0"/>
-            <a:ext cx="64008" cy="6858000"/>
-          </a:xfrm>
-          <a:prstGeom prst="rect">
-            <a:avLst/>
-          </a:prstGeom>
-          <a:solidFill>
-            <a:schemeClr val="accent1"/>
-          </a:solidFill>
-          <a:ln>
-            <a:noFill/>
-          </a:ln>
-        </p:spPr>
-        <p:style>
-          <a:lnRef idx="2">
-            <a:schemeClr val="accent1">
-              <a:shade val="50000"/>
-            </a:schemeClr>
-          </a:lnRef>
-          <a:fillRef idx="1">
-            <a:schemeClr val="accent1"/>
-          </a:fillRef>
-          <a:effectRef idx="0">
-            <a:schemeClr val="accent1"/>
-          </a:effectRef>
-          <a:fontRef idx="minor">
-            <a:schemeClr val="lt1"/>
-          </a:fontRef>
-        </p:style>
-      </p:sp>
-      <p:sp>
-        <p:nvSpPr>
-          <p:cNvPr id="2" name="Title 1"/>
-          <p:cNvSpPr>
-            <a:spLocks noGrp="1"/>
-          </p:cNvSpPr>
-          <p:nvPr>
-            <p:ph type="title"/>
-          </p:nvPr>
-        </p:nvSpPr>
-        <p:spPr>
-          <a:xfrm>
-            <a:off x="457200" y="594359"/>
-            <a:ext cx="3200400" cy="2286000"/>
+            <a:off x="1143000" y="1097280"/>
+            <a:ext cx="3931920" cy="1737360"/>
           </a:xfrm>
         </p:spPr>
         <p:txBody>
           <a:bodyPr anchor="b">
-            <a:normAutofit/>
+            <a:noAutofit/>
           </a:bodyPr>
           <a:lstStyle>
             <a:lvl1pPr>
-              <a:defRPr sz="3600" b="0">
-                <a:solidFill>
-                  <a:srgbClr val="FFFFFF"/>
-                </a:solidFill>
-              </a:defRPr>
+              <a:lnSpc>
+                <a:spcPct val="90000"/>
+              </a:lnSpc>
+              <a:defRPr sz="4000" b="0"/>
             </a:lvl1pPr>
           </a:lstStyle>
           <a:p>
@@ -2523,13 +2266,41 @@
         </p:nvSpPr>
         <p:spPr>
           <a:xfrm>
-            <a:off x="4800600" y="731520"/>
-            <a:ext cx="6492240" cy="5257800"/>
+            <a:off x="5852159" y="1097280"/>
+            <a:ext cx="5212080" cy="4663440"/>
           </a:xfrm>
         </p:spPr>
         <p:txBody>
           <a:bodyPr/>
-          <a:lstStyle/>
+          <a:lstStyle>
+            <a:lvl1pPr>
+              <a:defRPr sz="3200"/>
+            </a:lvl1pPr>
+            <a:lvl2pPr>
+              <a:defRPr sz="2800"/>
+            </a:lvl2pPr>
+            <a:lvl3pPr>
+              <a:defRPr sz="2400"/>
+            </a:lvl3pPr>
+            <a:lvl4pPr>
+              <a:defRPr sz="2000"/>
+            </a:lvl4pPr>
+            <a:lvl5pPr>
+              <a:defRPr sz="2000"/>
+            </a:lvl5pPr>
+            <a:lvl6pPr>
+              <a:defRPr sz="2000"/>
+            </a:lvl6pPr>
+            <a:lvl7pPr>
+              <a:defRPr sz="2000"/>
+            </a:lvl7pPr>
+            <a:lvl8pPr>
+              <a:defRPr sz="2000"/>
+            </a:lvl8pPr>
+            <a:lvl9pPr>
+              <a:defRPr sz="2000"/>
+            </a:lvl9pPr>
+          </a:lstStyle>
           <a:p>
             <a:pPr lvl="0"/>
             <a:r>
@@ -2580,22 +2351,24 @@
         </p:nvSpPr>
         <p:spPr>
           <a:xfrm>
-            <a:off x="457200" y="2926080"/>
-            <a:ext cx="3200400" cy="3379124"/>
+            <a:off x="1143000" y="2834640"/>
+            <a:ext cx="3931920" cy="3017520"/>
           </a:xfrm>
         </p:spPr>
         <p:txBody>
-          <a:bodyPr lIns="91440" rIns="91440">
+          <a:bodyPr>
             <a:normAutofit/>
           </a:bodyPr>
           <a:lstStyle>
             <a:lvl1pPr marL="0" indent="0">
+              <a:lnSpc>
+                <a:spcPct val="100000"/>
+              </a:lnSpc>
+              <a:spcBef>
+                <a:spcPts val="1000"/>
+              </a:spcBef>
               <a:buNone/>
-              <a:defRPr sz="1500">
-                <a:solidFill>
-                  <a:srgbClr val="FFFFFF"/>
-                </a:solidFill>
-              </a:defRPr>
+              <a:defRPr sz="1700"/>
             </a:lvl1pPr>
             <a:lvl2pPr marL="457200" indent="0">
               <a:buNone/>
@@ -2649,23 +2422,14 @@
             <p:ph type="dt" sz="half" idx="10"/>
           </p:nvPr>
         </p:nvSpPr>
-        <p:spPr>
-          <a:xfrm>
-            <a:off x="465512" y="6459785"/>
-            <a:ext cx="2618510" cy="365125"/>
-          </a:xfrm>
-        </p:spPr>
-        <p:txBody>
-          <a:bodyPr/>
-          <a:lstStyle>
-            <a:lvl1pPr algn="l">
-              <a:defRPr/>
-            </a:lvl1pPr>
-          </a:lstStyle>
+        <p:spPr/>
+        <p:txBody>
+          <a:bodyPr/>
+          <a:lstStyle/>
           <a:p>
             <a:fld id="{46D9A6F5-1E9F-4F7F-B335-C9B2093BF1AB}" type="datetimeFigureOut">
               <a:rPr lang="en-GB" smtClean="0"/>
-              <a:t>28/07/2016</a:t>
+              <a:t>04/08/2016</a:t>
             </a:fld>
             <a:endParaRPr lang="en-GB"/>
           </a:p>
@@ -2681,23 +2445,10 @@
             <p:ph type="ftr" sz="quarter" idx="11"/>
           </p:nvPr>
         </p:nvSpPr>
-        <p:spPr>
-          <a:xfrm>
-            <a:off x="4800600" y="6459785"/>
-            <a:ext cx="4648200" cy="365125"/>
-          </a:xfrm>
-        </p:spPr>
-        <p:txBody>
-          <a:bodyPr/>
-          <a:lstStyle>
-            <a:lvl1pPr algn="l">
-              <a:defRPr>
-                <a:solidFill>
-                  <a:schemeClr val="tx2"/>
-                </a:solidFill>
-              </a:defRPr>
-            </a:lvl1pPr>
-          </a:lstStyle>
+        <p:spPr/>
+        <p:txBody>
+          <a:bodyPr/>
+          <a:lstStyle/>
           <a:p>
             <a:endParaRPr lang="en-GB"/>
           </a:p>
@@ -2716,15 +2467,7 @@
         <p:spPr/>
         <p:txBody>
           <a:bodyPr/>
-          <a:lstStyle>
-            <a:lvl1pPr>
-              <a:defRPr>
-                <a:solidFill>
-                  <a:schemeClr val="tx2"/>
-                </a:solidFill>
-              </a:defRPr>
-            </a:lvl1pPr>
-          </a:lstStyle>
+          <a:lstStyle/>
           <a:p>
             <a:fld id="{AEBEC5AE-8EEF-40C7-BCCC-42762EAC50D4}" type="slidenum">
               <a:rPr lang="en-GB" smtClean="0"/>
@@ -2737,7 +2480,7 @@
     </p:spTree>
     <p:extLst>
       <p:ext uri="{BB962C8B-B14F-4D97-AF65-F5344CB8AC3E}">
-        <p14:creationId xmlns:p14="http://schemas.microsoft.com/office/powerpoint/2010/main" val="953936381"/>
+        <p14:creationId xmlns:p14="http://schemas.microsoft.com/office/powerpoint/2010/main" val="4252161132"/>
       </p:ext>
     </p:extLst>
   </p:cSld>
@@ -2748,7 +2491,7 @@
 </file>
 
 <file path=ppt/slideLayouts/slideLayout9.xml><?xml version="1.0" encoding="utf-8"?>
-<p:sldLayout xmlns:a="http://schemas.openxmlformats.org/drawingml/2006/main" xmlns:r="http://schemas.openxmlformats.org/officeDocument/2006/relationships" xmlns:p="http://schemas.openxmlformats.org/presentationml/2006/main" showMasterSp="0" type="picTx" preserve="1">
+<p:sldLayout xmlns:a="http://schemas.openxmlformats.org/drawingml/2006/main" xmlns:r="http://schemas.openxmlformats.org/officeDocument/2006/relationships" xmlns:p="http://schemas.openxmlformats.org/presentationml/2006/main" type="picTx" preserve="1">
   <p:cSld name="Picture with Caption">
     <p:spTree>
       <p:nvGrpSpPr>
@@ -2766,107 +2509,30 @@
       </p:grpSpPr>
       <p:sp>
         <p:nvSpPr>
-          <p:cNvPr id="8" name="Rectangle 7"/>
-          <p:cNvSpPr/>
-          <p:nvPr/>
+          <p:cNvPr id="2" name="Title 1"/>
+          <p:cNvSpPr>
+            <a:spLocks noGrp="1"/>
+          </p:cNvSpPr>
+          <p:nvPr>
+            <p:ph type="title"/>
+          </p:nvPr>
         </p:nvSpPr>
         <p:spPr>
           <a:xfrm>
-            <a:off x="0" y="4953000"/>
-            <a:ext cx="12188825" cy="1905000"/>
-          </a:xfrm>
-          <a:prstGeom prst="rect">
-            <a:avLst/>
-          </a:prstGeom>
-          <a:solidFill>
-            <a:schemeClr val="accent2"/>
-          </a:solidFill>
-          <a:ln>
-            <a:noFill/>
-          </a:ln>
-        </p:spPr>
-        <p:style>
-          <a:lnRef idx="2">
-            <a:schemeClr val="accent1">
-              <a:shade val="50000"/>
-            </a:schemeClr>
-          </a:lnRef>
-          <a:fillRef idx="1">
-            <a:schemeClr val="accent1"/>
-          </a:fillRef>
-          <a:effectRef idx="0">
-            <a:schemeClr val="accent1"/>
-          </a:effectRef>
-          <a:fontRef idx="minor">
-            <a:schemeClr val="lt1"/>
-          </a:fontRef>
-        </p:style>
-      </p:sp>
-      <p:sp>
-        <p:nvSpPr>
-          <p:cNvPr id="9" name="Rectangle 8"/>
-          <p:cNvSpPr/>
-          <p:nvPr/>
-        </p:nvSpPr>
-        <p:spPr>
-          <a:xfrm>
-            <a:off x="15" y="4915076"/>
-            <a:ext cx="12188825" cy="64008"/>
-          </a:xfrm>
-          <a:prstGeom prst="rect">
-            <a:avLst/>
-          </a:prstGeom>
-          <a:solidFill>
-            <a:schemeClr val="accent1"/>
-          </a:solidFill>
-          <a:ln>
-            <a:noFill/>
-          </a:ln>
-        </p:spPr>
-        <p:style>
-          <a:lnRef idx="2">
-            <a:schemeClr val="accent1">
-              <a:shade val="50000"/>
-            </a:schemeClr>
-          </a:lnRef>
-          <a:fillRef idx="1">
-            <a:schemeClr val="accent1"/>
-          </a:fillRef>
-          <a:effectRef idx="0">
-            <a:schemeClr val="accent1"/>
-          </a:effectRef>
-          <a:fontRef idx="minor">
-            <a:schemeClr val="lt1"/>
-          </a:fontRef>
-        </p:style>
-      </p:sp>
-      <p:sp>
-        <p:nvSpPr>
-          <p:cNvPr id="2" name="Title 1"/>
-          <p:cNvSpPr>
-            <a:spLocks noGrp="1"/>
-          </p:cNvSpPr>
-          <p:nvPr>
-            <p:ph type="title"/>
-          </p:nvPr>
-        </p:nvSpPr>
-        <p:spPr>
-          <a:xfrm>
-            <a:off x="1097280" y="5074920"/>
-            <a:ext cx="10113264" cy="822960"/>
+            <a:off x="1143000" y="1097280"/>
+            <a:ext cx="3931920" cy="1737360"/>
           </a:xfrm>
         </p:spPr>
         <p:txBody>
-          <a:bodyPr lIns="91440" tIns="0" rIns="91440" bIns="0" anchor="b">
+          <a:bodyPr anchor="b">
             <a:noAutofit/>
           </a:bodyPr>
           <a:lstStyle>
             <a:lvl1pPr>
-              <a:defRPr sz="3600" b="0">
-                <a:solidFill>
-                  <a:srgbClr val="FFFFFF"/>
-                </a:solidFill>
-              </a:defRPr>
+              <a:lnSpc>
+                <a:spcPct val="90000"/>
+              </a:lnSpc>
+              <a:defRPr sz="4000" b="0"/>
             </a:lvl1pPr>
           </a:lstStyle>
           <a:p>
@@ -2890,26 +2556,18 @@
         </p:nvSpPr>
         <p:spPr>
           <a:xfrm>
-            <a:off x="15" y="0"/>
-            <a:ext cx="12191985" cy="4915076"/>
+            <a:off x="5413248" y="1069847"/>
+            <a:ext cx="6099048" cy="4800600"/>
           </a:xfrm>
-          <a:blipFill>
-            <a:blip r:embed="rId2"/>
-            <a:stretch>
-              <a:fillRect/>
-            </a:stretch>
-          </a:blipFill>
         </p:spPr>
         <p:txBody>
-          <a:bodyPr lIns="457200" tIns="457200" anchor="t"/>
+          <a:bodyPr lIns="274320" tIns="182880" anchor="t">
+            <a:normAutofit/>
+          </a:bodyPr>
           <a:lstStyle>
             <a:lvl1pPr marL="0" indent="0">
               <a:buNone/>
-              <a:defRPr sz="3200">
-                <a:solidFill>
-                  <a:schemeClr val="bg1"/>
-                </a:solidFill>
-              </a:defRPr>
+              <a:defRPr sz="2800"/>
             </a:lvl1pPr>
             <a:lvl2pPr marL="457200" indent="0">
               <a:buNone/>
@@ -2965,28 +2623,24 @@
         </p:nvSpPr>
         <p:spPr>
           <a:xfrm>
-            <a:off x="1097280" y="5907023"/>
-            <a:ext cx="10113264" cy="594360"/>
+            <a:off x="1143000" y="2834640"/>
+            <a:ext cx="3931920" cy="2880360"/>
           </a:xfrm>
         </p:spPr>
         <p:txBody>
-          <a:bodyPr lIns="91440" tIns="0" rIns="91440" bIns="0">
+          <a:bodyPr>
             <a:normAutofit/>
           </a:bodyPr>
           <a:lstStyle>
             <a:lvl1pPr marL="0" indent="0">
+              <a:lnSpc>
+                <a:spcPct val="100000"/>
+              </a:lnSpc>
               <a:spcBef>
-                <a:spcPts val="0"/>
+                <a:spcPts val="1000"/>
               </a:spcBef>
-              <a:spcAft>
-                <a:spcPts val="600"/>
-              </a:spcAft>
               <a:buNone/>
-              <a:defRPr sz="1500">
-                <a:solidFill>
-                  <a:srgbClr val="FFFFFF"/>
-                </a:solidFill>
-              </a:defRPr>
+              <a:defRPr sz="1700"/>
             </a:lvl1pPr>
             <a:lvl2pPr marL="457200" indent="0">
               <a:buNone/>
@@ -3047,7 +2701,7 @@
           <a:p>
             <a:fld id="{46D9A6F5-1E9F-4F7F-B335-C9B2093BF1AB}" type="datetimeFigureOut">
               <a:rPr lang="en-GB" smtClean="0"/>
-              <a:t>28/07/2016</a:t>
+              <a:t>04/08/2016</a:t>
             </a:fld>
             <a:endParaRPr lang="en-GB"/>
           </a:p>
@@ -3098,7 +2752,7 @@
     </p:spTree>
     <p:extLst>
       <p:ext uri="{BB962C8B-B14F-4D97-AF65-F5344CB8AC3E}">
-        <p14:creationId xmlns:p14="http://schemas.microsoft.com/office/powerpoint/2010/main" val="570416590"/>
+        <p14:creationId xmlns:p14="http://schemas.microsoft.com/office/powerpoint/2010/main" val="4019991697"/>
       </p:ext>
     </p:extLst>
   </p:cSld>
@@ -3112,9 +2766,12 @@
 <p:sldMaster xmlns:a="http://schemas.openxmlformats.org/drawingml/2006/main" xmlns:r="http://schemas.openxmlformats.org/officeDocument/2006/relationships" xmlns:p="http://schemas.openxmlformats.org/presentationml/2006/main">
   <p:cSld>
     <p:bg>
-      <p:bgRef idx="1001">
-        <a:schemeClr val="bg1"/>
-      </p:bgRef>
+      <p:bgPr>
+        <a:solidFill>
+          <a:schemeClr val="accent1"/>
+        </a:solidFill>
+        <a:effectLst/>
+      </p:bgPr>
     </p:bg>
     <p:spTree>
       <p:nvGrpSpPr>
@@ -3133,21 +2790,23 @@
       <p:sp>
         <p:nvSpPr>
           <p:cNvPr id="7" name="Rectangle 6"/>
-          <p:cNvSpPr/>
+          <p:cNvSpPr>
+            <a:spLocks noChangeAspect="1"/>
+          </p:cNvSpPr>
           <p:nvPr/>
         </p:nvSpPr>
         <p:spPr>
           <a:xfrm>
-            <a:off x="1" y="6400800"/>
-            <a:ext cx="12192000" cy="457200"/>
+            <a:off x="231140" y="243840"/>
+            <a:ext cx="11724640" cy="6377939"/>
           </a:xfrm>
           <a:prstGeom prst="rect">
             <a:avLst/>
           </a:prstGeom>
           <a:solidFill>
-            <a:schemeClr val="accent2"/>
+            <a:schemeClr val="bg1"/>
           </a:solidFill>
-          <a:ln>
+          <a:ln w="12700">
             <a:noFill/>
           </a:ln>
         </p:spPr>
@@ -3170,63 +2829,25 @@
       </p:sp>
       <p:sp>
         <p:nvSpPr>
-          <p:cNvPr id="9" name="Rectangle 8"/>
-          <p:cNvSpPr/>
-          <p:nvPr/>
+          <p:cNvPr id="2" name="Title Placeholder 1"/>
+          <p:cNvSpPr>
+            <a:spLocks noGrp="1"/>
+          </p:cNvSpPr>
+          <p:nvPr>
+            <p:ph type="title"/>
+          </p:nvPr>
         </p:nvSpPr>
         <p:spPr>
           <a:xfrm>
-            <a:off x="0" y="6334316"/>
-            <a:ext cx="12192001" cy="65998"/>
-          </a:xfrm>
-          <a:prstGeom prst="rect">
-            <a:avLst/>
-          </a:prstGeom>
-          <a:solidFill>
-            <a:schemeClr val="accent1"/>
-          </a:solidFill>
-          <a:ln>
-            <a:noFill/>
-          </a:ln>
-        </p:spPr>
-        <p:style>
-          <a:lnRef idx="2">
-            <a:schemeClr val="accent1">
-              <a:shade val="50000"/>
-            </a:schemeClr>
-          </a:lnRef>
-          <a:fillRef idx="1">
-            <a:schemeClr val="accent1"/>
-          </a:fillRef>
-          <a:effectRef idx="0">
-            <a:schemeClr val="accent1"/>
-          </a:effectRef>
-          <a:fontRef idx="minor">
-            <a:schemeClr val="lt1"/>
-          </a:fontRef>
-        </p:style>
-      </p:sp>
-      <p:sp>
-        <p:nvSpPr>
-          <p:cNvPr id="2" name="Title Placeholder 1"/>
-          <p:cNvSpPr>
-            <a:spLocks noGrp="1"/>
-          </p:cNvSpPr>
-          <p:nvPr>
-            <p:ph type="title"/>
-          </p:nvPr>
-        </p:nvSpPr>
-        <p:spPr>
-          <a:xfrm>
-            <a:off x="1097280" y="286603"/>
-            <a:ext cx="10058400" cy="1450757"/>
+            <a:off x="1143000" y="609600"/>
+            <a:ext cx="9875520" cy="1356360"/>
           </a:xfrm>
           <a:prstGeom prst="rect">
             <a:avLst/>
           </a:prstGeom>
         </p:spPr>
         <p:txBody>
-          <a:bodyPr vert="horz" lIns="91440" tIns="45720" rIns="91440" bIns="45720" rtlCol="0" anchor="b">
+          <a:bodyPr vert="horz" lIns="91440" tIns="45720" rIns="91440" bIns="45720" rtlCol="0" anchor="ctr">
             <a:normAutofit/>
           </a:bodyPr>
           <a:lstStyle/>
@@ -3251,15 +2872,15 @@
         </p:nvSpPr>
         <p:spPr>
           <a:xfrm>
-            <a:off x="1097280" y="1845734"/>
-            <a:ext cx="10058400" cy="4023360"/>
+            <a:off x="1143000" y="2057400"/>
+            <a:ext cx="9872871" cy="4038600"/>
           </a:xfrm>
           <a:prstGeom prst="rect">
             <a:avLst/>
           </a:prstGeom>
         </p:spPr>
         <p:txBody>
-          <a:bodyPr vert="horz" lIns="0" tIns="45720" rIns="0" bIns="45720" rtlCol="0">
+          <a:bodyPr vert="horz" lIns="91440" tIns="45720" rIns="91440" bIns="45720" rtlCol="0">
             <a:normAutofit/>
           </a:bodyPr>
           <a:lstStyle/>
@@ -3313,8 +2934,8 @@
         </p:nvSpPr>
         <p:spPr>
           <a:xfrm>
-            <a:off x="1097280" y="6459785"/>
-            <a:ext cx="2472271" cy="365125"/>
+            <a:off x="1142996" y="6223828"/>
+            <a:ext cx="2329074" cy="365125"/>
           </a:xfrm>
           <a:prstGeom prst="rect">
             <a:avLst/>
@@ -3324,9 +2945,9 @@
           <a:bodyPr vert="horz" lIns="91440" tIns="45720" rIns="91440" bIns="45720" rtlCol="0" anchor="ctr"/>
           <a:lstStyle>
             <a:lvl1pPr algn="l">
-              <a:defRPr sz="900">
+              <a:defRPr sz="1200">
                 <a:solidFill>
-                  <a:srgbClr val="FFFFFF"/>
+                  <a:schemeClr val="accent1"/>
                 </a:solidFill>
               </a:defRPr>
             </a:lvl1pPr>
@@ -3334,7 +2955,7 @@
           <a:p>
             <a:fld id="{46D9A6F5-1E9F-4F7F-B335-C9B2093BF1AB}" type="datetimeFigureOut">
               <a:rPr lang="en-GB" smtClean="0"/>
-              <a:t>28/07/2016</a:t>
+              <a:t>04/08/2016</a:t>
             </a:fld>
             <a:endParaRPr lang="en-GB"/>
           </a:p>
@@ -3352,8 +2973,8 @@
         </p:nvSpPr>
         <p:spPr>
           <a:xfrm>
-            <a:off x="3686185" y="6459785"/>
-            <a:ext cx="4822804" cy="365125"/>
+            <a:off x="3949148" y="6223828"/>
+            <a:ext cx="4717774" cy="365125"/>
           </a:xfrm>
           <a:prstGeom prst="rect">
             <a:avLst/>
@@ -3363,9 +2984,9 @@
           <a:bodyPr vert="horz" lIns="91440" tIns="45720" rIns="91440" bIns="45720" rtlCol="0" anchor="ctr"/>
           <a:lstStyle>
             <a:lvl1pPr algn="ctr">
-              <a:defRPr sz="900" cap="all" baseline="0">
+              <a:defRPr sz="1200">
                 <a:solidFill>
-                  <a:srgbClr val="FFFFFF"/>
+                  <a:schemeClr val="accent1"/>
                 </a:solidFill>
               </a:defRPr>
             </a:lvl1pPr>
@@ -3387,8 +3008,8 @@
         </p:nvSpPr>
         <p:spPr>
           <a:xfrm>
-            <a:off x="9900458" y="6459785"/>
-            <a:ext cx="1312025" cy="365125"/>
+            <a:off x="9329530" y="6223828"/>
+            <a:ext cx="1706217" cy="365125"/>
           </a:xfrm>
           <a:prstGeom prst="rect">
             <a:avLst/>
@@ -3398,9 +3019,9 @@
           <a:bodyPr vert="horz" lIns="91440" tIns="45720" rIns="91440" bIns="45720" rtlCol="0" anchor="ctr"/>
           <a:lstStyle>
             <a:lvl1pPr algn="r">
-              <a:defRPr sz="1050">
+              <a:defRPr sz="1200">
                 <a:solidFill>
-                  <a:srgbClr val="FFFFFF"/>
+                  <a:schemeClr val="accent1"/>
                 </a:solidFill>
               </a:defRPr>
             </a:lvl1pPr>
@@ -3414,81 +3035,40 @@
           </a:p>
         </p:txBody>
       </p:sp>
-      <p:cxnSp>
-        <p:nvCxnSpPr>
-          <p:cNvPr id="10" name="Straight Connector 9"/>
-          <p:cNvCxnSpPr/>
-          <p:nvPr/>
-        </p:nvCxnSpPr>
-        <p:spPr>
-          <a:xfrm>
-            <a:off x="1193532" y="1737845"/>
-            <a:ext cx="9966960" cy="0"/>
-          </a:xfrm>
-          <a:prstGeom prst="line">
-            <a:avLst/>
-          </a:prstGeom>
-          <a:ln w="6350">
-            <a:solidFill>
-              <a:schemeClr val="tx1">
-                <a:lumMod val="50000"/>
-                <a:lumOff val="50000"/>
-              </a:schemeClr>
-            </a:solidFill>
-          </a:ln>
-        </p:spPr>
-        <p:style>
-          <a:lnRef idx="1">
-            <a:schemeClr val="accent1"/>
-          </a:lnRef>
-          <a:fillRef idx="0">
-            <a:schemeClr val="accent1"/>
-          </a:fillRef>
-          <a:effectRef idx="0">
-            <a:schemeClr val="accent1"/>
-          </a:effectRef>
-          <a:fontRef idx="minor">
-            <a:schemeClr val="tx1"/>
-          </a:fontRef>
-        </p:style>
-      </p:cxnSp>
     </p:spTree>
     <p:extLst>
       <p:ext uri="{BB962C8B-B14F-4D97-AF65-F5344CB8AC3E}">
-        <p14:creationId xmlns:p14="http://schemas.microsoft.com/office/powerpoint/2010/main" val="3600288479"/>
+        <p14:creationId xmlns:p14="http://schemas.microsoft.com/office/powerpoint/2010/main" val="1931560689"/>
       </p:ext>
     </p:extLst>
   </p:cSld>
   <p:clrMap bg1="lt1" tx1="dk1" bg2="lt2" tx2="dk2" accent1="accent1" accent2="accent2" accent3="accent3" accent4="accent4" accent5="accent5" accent6="accent6" hlink="hlink" folHlink="folHlink"/>
   <p:sldLayoutIdLst>
-    <p:sldLayoutId id="2147483685" r:id="rId1"/>
-    <p:sldLayoutId id="2147483686" r:id="rId2"/>
-    <p:sldLayoutId id="2147483687" r:id="rId3"/>
-    <p:sldLayoutId id="2147483688" r:id="rId4"/>
-    <p:sldLayoutId id="2147483689" r:id="rId5"/>
-    <p:sldLayoutId id="2147483690" r:id="rId6"/>
-    <p:sldLayoutId id="2147483691" r:id="rId7"/>
-    <p:sldLayoutId id="2147483692" r:id="rId8"/>
-    <p:sldLayoutId id="2147483693" r:id="rId9"/>
-    <p:sldLayoutId id="2147483694" r:id="rId10"/>
-    <p:sldLayoutId id="2147483695" r:id="rId11"/>
+    <p:sldLayoutId id="2147483697" r:id="rId1"/>
+    <p:sldLayoutId id="2147483698" r:id="rId2"/>
+    <p:sldLayoutId id="2147483699" r:id="rId3"/>
+    <p:sldLayoutId id="2147483700" r:id="rId4"/>
+    <p:sldLayoutId id="2147483701" r:id="rId5"/>
+    <p:sldLayoutId id="2147483702" r:id="rId6"/>
+    <p:sldLayoutId id="2147483703" r:id="rId7"/>
+    <p:sldLayoutId id="2147483704" r:id="rId8"/>
+    <p:sldLayoutId id="2147483705" r:id="rId9"/>
+    <p:sldLayoutId id="2147483706" r:id="rId10"/>
+    <p:sldLayoutId id="2147483707" r:id="rId11"/>
   </p:sldLayoutIdLst>
   <p:txStyles>
     <p:titleStyle>
       <a:lvl1pPr algn="l" defTabSz="914400" rtl="0" eaLnBrk="1" latinLnBrk="0" hangingPunct="1">
         <a:lnSpc>
-          <a:spcPct val="85000"/>
+          <a:spcPct val="90000"/>
         </a:lnSpc>
         <a:spcBef>
           <a:spcPct val="0"/>
         </a:spcBef>
         <a:buNone/>
-        <a:defRPr sz="4800" kern="1200" spc="-50" baseline="0">
+        <a:defRPr sz="4400" kern="1200">
           <a:solidFill>
-            <a:schemeClr val="tx1">
-              <a:lumMod val="75000"/>
-              <a:lumOff val="25000"/>
-            </a:schemeClr>
+            <a:schemeClr val="accent1"/>
           </a:solidFill>
           <a:latin typeface="+mj-lt"/>
           <a:ea typeface="+mj-ea"/>
@@ -3497,35 +3077,29 @@
       </a:lvl1pPr>
     </p:titleStyle>
     <p:bodyStyle>
-      <a:lvl1pPr marL="91440" indent="-91440" algn="l" defTabSz="914400" rtl="0" eaLnBrk="1" latinLnBrk="0" hangingPunct="1">
+      <a:lvl1pPr marL="228600" indent="-182880" algn="l" defTabSz="914400" rtl="0" eaLnBrk="1" latinLnBrk="0" hangingPunct="1">
         <a:lnSpc>
           <a:spcPct val="90000"/>
         </a:lnSpc>
         <a:spcBef>
-          <a:spcPts val="1200"/>
+          <a:spcPts val="1400"/>
         </a:spcBef>
-        <a:spcAft>
-          <a:spcPts val="200"/>
-        </a:spcAft>
         <a:buClr>
           <a:schemeClr val="accent1"/>
         </a:buClr>
-        <a:buSzPct val="100000"/>
-        <a:buFont typeface="Calibri" panose="020F0502020204030204" pitchFamily="34" charset="0"/>
-        <a:buChar char=" "/>
-        <a:defRPr sz="2000" kern="1200">
+        <a:buSzPct val="80000"/>
+        <a:buFont typeface="Corbel" pitchFamily="34" charset="0"/>
+        <a:buChar char="•"/>
+        <a:defRPr sz="2200" kern="1200">
           <a:solidFill>
-            <a:schemeClr val="tx1">
-              <a:lumMod val="75000"/>
-              <a:lumOff val="25000"/>
-            </a:schemeClr>
+            <a:schemeClr val="accent1"/>
           </a:solidFill>
           <a:latin typeface="+mn-lt"/>
           <a:ea typeface="+mn-ea"/>
           <a:cs typeface="+mn-cs"/>
         </a:defRPr>
       </a:lvl1pPr>
-      <a:lvl2pPr marL="384048" indent="-182880" algn="l" defTabSz="914400" rtl="0" eaLnBrk="1" latinLnBrk="0" hangingPunct="1">
+      <a:lvl2pPr marL="457200" indent="-182880" algn="l" defTabSz="914400" rtl="0" eaLnBrk="1" latinLnBrk="0" hangingPunct="1">
         <a:lnSpc>
           <a:spcPct val="90000"/>
         </a:lnSpc>
@@ -3538,21 +3112,19 @@
         <a:buClr>
           <a:schemeClr val="accent1"/>
         </a:buClr>
-        <a:buFont typeface="Calibri" pitchFamily="34" charset="0"/>
-        <a:buChar char="◦"/>
-        <a:defRPr sz="1800" kern="1200">
+        <a:buSzPct val="80000"/>
+        <a:buFont typeface="Corbel" pitchFamily="34" charset="0"/>
+        <a:buChar char="•"/>
+        <a:defRPr sz="2000" kern="1200">
           <a:solidFill>
-            <a:schemeClr val="tx1">
-              <a:lumMod val="75000"/>
-              <a:lumOff val="25000"/>
-            </a:schemeClr>
+            <a:schemeClr val="accent1"/>
           </a:solidFill>
           <a:latin typeface="+mn-lt"/>
           <a:ea typeface="+mn-ea"/>
           <a:cs typeface="+mn-cs"/>
         </a:defRPr>
       </a:lvl2pPr>
-      <a:lvl3pPr marL="566928" indent="-182880" algn="l" defTabSz="914400" rtl="0" eaLnBrk="1" latinLnBrk="0" hangingPunct="1">
+      <a:lvl3pPr marL="731520" indent="-182880" algn="l" defTabSz="914400" rtl="0" eaLnBrk="1" latinLnBrk="0" hangingPunct="1">
         <a:lnSpc>
           <a:spcPct val="90000"/>
         </a:lnSpc>
@@ -3565,21 +3137,19 @@
         <a:buClr>
           <a:schemeClr val="accent1"/>
         </a:buClr>
-        <a:buFont typeface="Calibri" pitchFamily="34" charset="0"/>
-        <a:buChar char="◦"/>
-        <a:defRPr sz="1400" kern="1200">
+        <a:buSzPct val="80000"/>
+        <a:buFont typeface="Corbel" pitchFamily="34" charset="0"/>
+        <a:buChar char="•"/>
+        <a:defRPr sz="1800" kern="1200">
           <a:solidFill>
-            <a:schemeClr val="tx1">
-              <a:lumMod val="75000"/>
-              <a:lumOff val="25000"/>
-            </a:schemeClr>
+            <a:schemeClr val="accent1"/>
           </a:solidFill>
           <a:latin typeface="+mn-lt"/>
           <a:ea typeface="+mn-ea"/>
           <a:cs typeface="+mn-cs"/>
         </a:defRPr>
       </a:lvl3pPr>
-      <a:lvl4pPr marL="749808" indent="-182880" algn="l" defTabSz="914400" rtl="0" eaLnBrk="1" latinLnBrk="0" hangingPunct="1">
+      <a:lvl4pPr marL="1005840" indent="-182880" algn="l" defTabSz="914400" rtl="0" eaLnBrk="1" latinLnBrk="0" hangingPunct="1">
         <a:lnSpc>
           <a:spcPct val="90000"/>
         </a:lnSpc>
@@ -3592,21 +3162,19 @@
         <a:buClr>
           <a:schemeClr val="accent1"/>
         </a:buClr>
-        <a:buFont typeface="Calibri" pitchFamily="34" charset="0"/>
-        <a:buChar char="◦"/>
-        <a:defRPr sz="1400" kern="1200">
+        <a:buSzPct val="80000"/>
+        <a:buFont typeface="Corbel" pitchFamily="34" charset="0"/>
+        <a:buChar char="•"/>
+        <a:defRPr sz="1600" kern="1200">
           <a:solidFill>
-            <a:schemeClr val="tx1">
-              <a:lumMod val="75000"/>
-              <a:lumOff val="25000"/>
-            </a:schemeClr>
+            <a:schemeClr val="accent1"/>
           </a:solidFill>
           <a:latin typeface="+mn-lt"/>
           <a:ea typeface="+mn-ea"/>
           <a:cs typeface="+mn-cs"/>
         </a:defRPr>
       </a:lvl4pPr>
-      <a:lvl5pPr marL="932688" indent="-182880" algn="l" defTabSz="914400" rtl="0" eaLnBrk="1" latinLnBrk="0" hangingPunct="1">
+      <a:lvl5pPr marL="1280160" indent="-182880" algn="l" defTabSz="914400" rtl="0" eaLnBrk="1" latinLnBrk="0" hangingPunct="1">
         <a:lnSpc>
           <a:spcPct val="90000"/>
         </a:lnSpc>
@@ -3619,21 +3187,19 @@
         <a:buClr>
           <a:schemeClr val="accent1"/>
         </a:buClr>
-        <a:buFont typeface="Calibri" pitchFamily="34" charset="0"/>
-        <a:buChar char="◦"/>
-        <a:defRPr sz="1400" kern="1200">
+        <a:buSzPct val="80000"/>
+        <a:buFont typeface="Corbel" pitchFamily="34" charset="0"/>
+        <a:buChar char="•"/>
+        <a:defRPr sz="1600" kern="1200">
           <a:solidFill>
-            <a:schemeClr val="tx1">
-              <a:lumMod val="75000"/>
-              <a:lumOff val="25000"/>
-            </a:schemeClr>
+            <a:schemeClr val="accent1"/>
           </a:solidFill>
           <a:latin typeface="+mn-lt"/>
           <a:ea typeface="+mn-ea"/>
           <a:cs typeface="+mn-cs"/>
         </a:defRPr>
       </a:lvl5pPr>
-      <a:lvl6pPr marL="1100000" indent="-228600" algn="l" defTabSz="914400" rtl="0" eaLnBrk="1" latinLnBrk="0" hangingPunct="1">
+      <a:lvl6pPr marL="1600000" indent="-228600" algn="l" defTabSz="914400" rtl="0" eaLnBrk="1" latinLnBrk="0" hangingPunct="1">
         <a:lnSpc>
           <a:spcPct val="90000"/>
         </a:lnSpc>
@@ -3646,21 +3212,19 @@
         <a:buClr>
           <a:schemeClr val="accent1"/>
         </a:buClr>
-        <a:buFont typeface="Calibri" pitchFamily="34" charset="0"/>
-        <a:buChar char="◦"/>
-        <a:defRPr sz="1400" kern="1200">
+        <a:buSzPct val="80000"/>
+        <a:buFont typeface="Corbel" pitchFamily="34" charset="0"/>
+        <a:buChar char="•"/>
+        <a:defRPr sz="1600" kern="1200">
           <a:solidFill>
-            <a:schemeClr val="tx1">
-              <a:lumMod val="75000"/>
-              <a:lumOff val="25000"/>
-            </a:schemeClr>
+            <a:schemeClr val="accent1"/>
           </a:solidFill>
           <a:latin typeface="+mn-lt"/>
           <a:ea typeface="+mn-ea"/>
           <a:cs typeface="+mn-cs"/>
         </a:defRPr>
       </a:lvl6pPr>
-      <a:lvl7pPr marL="1300000" indent="-228600" algn="l" defTabSz="914400" rtl="0" eaLnBrk="1" latinLnBrk="0" hangingPunct="1">
+      <a:lvl7pPr marL="1900000" indent="-228600" algn="l" defTabSz="914400" rtl="0" eaLnBrk="1" latinLnBrk="0" hangingPunct="1">
         <a:lnSpc>
           <a:spcPct val="90000"/>
         </a:lnSpc>
@@ -3673,21 +3237,19 @@
         <a:buClr>
           <a:schemeClr val="accent1"/>
         </a:buClr>
-        <a:buFont typeface="Calibri" pitchFamily="34" charset="0"/>
-        <a:buChar char="◦"/>
-        <a:defRPr sz="1400" kern="1200">
+        <a:buSzPct val="80000"/>
+        <a:buFont typeface="Corbel" pitchFamily="34" charset="0"/>
+        <a:buChar char="•"/>
+        <a:defRPr sz="1600" kern="1200">
           <a:solidFill>
-            <a:schemeClr val="tx1">
-              <a:lumMod val="75000"/>
-              <a:lumOff val="25000"/>
-            </a:schemeClr>
+            <a:schemeClr val="accent1"/>
           </a:solidFill>
           <a:latin typeface="+mn-lt"/>
           <a:ea typeface="+mn-ea"/>
           <a:cs typeface="+mn-cs"/>
         </a:defRPr>
       </a:lvl7pPr>
-      <a:lvl8pPr marL="1500000" indent="-228600" algn="l" defTabSz="914400" rtl="0" eaLnBrk="1" latinLnBrk="0" hangingPunct="1">
+      <a:lvl8pPr marL="2200000" indent="-228600" algn="l" defTabSz="914400" rtl="0" eaLnBrk="1" latinLnBrk="0" hangingPunct="1">
         <a:lnSpc>
           <a:spcPct val="90000"/>
         </a:lnSpc>
@@ -3700,21 +3262,19 @@
         <a:buClr>
           <a:schemeClr val="accent1"/>
         </a:buClr>
-        <a:buFont typeface="Calibri" pitchFamily="34" charset="0"/>
-        <a:buChar char="◦"/>
-        <a:defRPr sz="1400" kern="1200">
+        <a:buSzPct val="80000"/>
+        <a:buFont typeface="Corbel" pitchFamily="34" charset="0"/>
+        <a:buChar char="•"/>
+        <a:defRPr sz="1600" kern="1200">
           <a:solidFill>
-            <a:schemeClr val="tx1">
-              <a:lumMod val="75000"/>
-              <a:lumOff val="25000"/>
-            </a:schemeClr>
+            <a:schemeClr val="accent1"/>
           </a:solidFill>
           <a:latin typeface="+mn-lt"/>
           <a:ea typeface="+mn-ea"/>
           <a:cs typeface="+mn-cs"/>
         </a:defRPr>
       </a:lvl8pPr>
-      <a:lvl9pPr marL="1700000" indent="-228600" algn="l" defTabSz="914400" rtl="0" eaLnBrk="1" latinLnBrk="0" hangingPunct="1">
+      <a:lvl9pPr marL="2500000" indent="-228600" algn="l" defTabSz="914400" rtl="0" eaLnBrk="1" latinLnBrk="0" hangingPunct="1">
         <a:lnSpc>
           <a:spcPct val="90000"/>
         </a:lnSpc>
@@ -3727,14 +3287,12 @@
         <a:buClr>
           <a:schemeClr val="accent1"/>
         </a:buClr>
-        <a:buFont typeface="Calibri" pitchFamily="34" charset="0"/>
-        <a:buChar char="◦"/>
-        <a:defRPr sz="1400" kern="1200">
+        <a:buSzPct val="80000"/>
+        <a:buFont typeface="Corbel" pitchFamily="34" charset="0"/>
+        <a:buChar char="•"/>
+        <a:defRPr sz="1600" kern="1200">
           <a:solidFill>
-            <a:schemeClr val="tx1">
-              <a:lumMod val="75000"/>
-              <a:lumOff val="25000"/>
-            </a:schemeClr>
+            <a:schemeClr val="accent1"/>
           </a:solidFill>
           <a:latin typeface="+mn-lt"/>
           <a:ea typeface="+mn-ea"/>
@@ -3870,8 +3428,8 @@
         </p:nvSpPr>
         <p:spPr>
           <a:xfrm>
-            <a:off x="4030668" y="2161782"/>
-            <a:ext cx="4898843" cy="1071563"/>
+            <a:off x="2987899" y="2805726"/>
+            <a:ext cx="6153285" cy="954905"/>
           </a:xfrm>
         </p:spPr>
         <p:txBody>
@@ -3885,8 +3443,12 @@
               <a:t>Spring </a:t>
             </a:r>
             <a:r>
+              <a:rPr lang="en-US" dirty="0" err="1"/>
+              <a:t>v</a:t>
+            </a:r>
+            <a:r>
               <a:rPr lang="en-US" b="1" dirty="0" err="1" smtClean="0"/>
-              <a:t>jdbc</a:t>
+              <a:t>dbc</a:t>
             </a:r>
             <a:endParaRPr lang="en-GB" b="1" dirty="0"/>
           </a:p>
@@ -3900,7 +3462,7 @@
         </p:nvSpPr>
         <p:spPr>
           <a:xfrm>
-            <a:off x="4201282" y="4258761"/>
+            <a:off x="4076336" y="3760631"/>
             <a:ext cx="3976410" cy="369332"/>
           </a:xfrm>
           <a:prstGeom prst="rect">
@@ -8059,93 +7621,58 @@
 </file>
 
 <file path=ppt/theme/theme1.xml><?xml version="1.0" encoding="utf-8"?>
-<a:theme xmlns:a="http://schemas.openxmlformats.org/drawingml/2006/main" name="Retrospect">
+<a:theme xmlns:a="http://schemas.openxmlformats.org/drawingml/2006/main" name="Basis">
   <a:themeElements>
-    <a:clrScheme name="Retrospect">
+    <a:clrScheme name="Basis">
       <a:dk1>
         <a:srgbClr val="000000"/>
       </a:dk1>
       <a:lt1>
-        <a:sysClr val="window" lastClr="FFFFFF"/>
+        <a:srgbClr val="FFFFFF"/>
       </a:lt1>
       <a:dk2>
-        <a:srgbClr val="637052"/>
+        <a:srgbClr val="565349"/>
       </a:dk2>
       <a:lt2>
-        <a:srgbClr val="CCDDEA"/>
+        <a:srgbClr val="DDDDDD"/>
       </a:lt2>
       <a:accent1>
-        <a:srgbClr val="E48312"/>
+        <a:srgbClr val="A6B727"/>
       </a:accent1>
       <a:accent2>
-        <a:srgbClr val="BD582C"/>
+        <a:srgbClr val="DF5327"/>
       </a:accent2>
       <a:accent3>
-        <a:srgbClr val="865640"/>
+        <a:srgbClr val="FE9E00"/>
       </a:accent3>
       <a:accent4>
-        <a:srgbClr val="9B8357"/>
+        <a:srgbClr val="418AB3"/>
       </a:accent4>
       <a:accent5>
-        <a:srgbClr val="C2BC80"/>
+        <a:srgbClr val="D7D447"/>
       </a:accent5>
       <a:accent6>
-        <a:srgbClr val="94A088"/>
+        <a:srgbClr val="818183"/>
       </a:accent6>
       <a:hlink>
-        <a:srgbClr val="2998E3"/>
+        <a:srgbClr val="F59E00"/>
       </a:hlink>
       <a:folHlink>
-        <a:srgbClr val="8C8C8C"/>
+        <a:srgbClr val="B2B2B2"/>
       </a:folHlink>
     </a:clrScheme>
-    <a:fontScheme name="Retrospect">
+    <a:fontScheme name="Basis">
       <a:majorFont>
-        <a:latin typeface="Calibri Light" panose="020F0302020204030204"/>
+        <a:latin typeface="Corbel" panose="020B0503020204020204"/>
         <a:ea typeface=""/>
         <a:cs typeface=""/>
-        <a:font script="Jpan" typeface="ＭＳ Ｐゴシック"/>
+        <a:font script="Jpan" typeface="ＭＳ ゴシック"/>
         <a:font script="Hang" typeface="맑은 고딕"/>
         <a:font script="Hans" typeface="宋体"/>
         <a:font script="Hant" typeface="新細明體"/>
-        <a:font script="Arab" typeface="Times New Roman"/>
-        <a:font script="Hebr" typeface="Times New Roman"/>
-        <a:font script="Thai" typeface="Angsana New"/>
-        <a:font script="Ethi" typeface="Nyala"/>
-        <a:font script="Beng" typeface="Vrinda"/>
-        <a:font script="Gujr" typeface="Shruti"/>
-        <a:font script="Khmr" typeface="MoolBoran"/>
-        <a:font script="Knda" typeface="Tunga"/>
-        <a:font script="Guru" typeface="Raavi"/>
-        <a:font script="Cans" typeface="Euphemia"/>
-        <a:font script="Cher" typeface="Plantagenet Cherokee"/>
-        <a:font script="Yiii" typeface="Microsoft Yi Baiti"/>
-        <a:font script="Tibt" typeface="Microsoft Himalaya"/>
-        <a:font script="Thaa" typeface="MV Boli"/>
-        <a:font script="Deva" typeface="Mangal"/>
-        <a:font script="Telu" typeface="Gautami"/>
-        <a:font script="Taml" typeface="Latha"/>
-        <a:font script="Syrc" typeface="Estrangelo Edessa"/>
-        <a:font script="Orya" typeface="Kalinga"/>
-        <a:font script="Mlym" typeface="Kartika"/>
-        <a:font script="Laoo" typeface="DokChampa"/>
-        <a:font script="Sinh" typeface="Iskoola Pota"/>
-        <a:font script="Mong" typeface="Mongolian Baiti"/>
-        <a:font script="Viet" typeface="Times New Roman"/>
-        <a:font script="Uigh" typeface="Microsoft Uighur"/>
-        <a:font script="Geor" typeface="Sylfaen"/>
-      </a:majorFont>
-      <a:minorFont>
-        <a:latin typeface="Calibri" panose="020F0502020204030204"/>
-        <a:ea typeface=""/>
-        <a:cs typeface=""/>
-        <a:font script="Jpan" typeface="ＭＳ Ｐゴシック"/>
-        <a:font script="Hang" typeface="맑은 고딕"/>
-        <a:font script="Hans" typeface="宋体"/>
-        <a:font script="Hant" typeface="新細明體"/>
-        <a:font script="Arab" typeface="Arial"/>
-        <a:font script="Hebr" typeface="Arial"/>
-        <a:font script="Thai" typeface="Cordia New"/>
+        <a:font script="Arab" typeface="Tahoma"/>
+        <a:font script="Hebr" typeface="Gisha"/>
+        <a:font script="Thai" typeface="DilleniaUPC"/>
         <a:font script="Ethi" typeface="Nyala"/>
         <a:font script="Beng" typeface="Vrinda"/>
         <a:font script="Gujr" typeface="Shruti"/>
@@ -8166,69 +7693,72 @@
         <a:font script="Laoo" typeface="DokChampa"/>
         <a:font script="Sinh" typeface="Iskoola Pota"/>
         <a:font script="Mong" typeface="Mongolian Baiti"/>
-        <a:font script="Viet" typeface="Arial"/>
+        <a:font script="Viet" typeface="Tahoma"/>
+        <a:font script="Uigh" typeface="Microsoft Uighur"/>
+        <a:font script="Geor" typeface="Sylfaen"/>
+      </a:majorFont>
+      <a:minorFont>
+        <a:latin typeface="Corbel" panose="020B0503020204020204"/>
+        <a:ea typeface=""/>
+        <a:cs typeface=""/>
+        <a:font script="Jpan" typeface="ＭＳ ゴシック"/>
+        <a:font script="Hang" typeface="맑은 고딕"/>
+        <a:font script="Hans" typeface="宋体"/>
+        <a:font script="Hant" typeface="新細明體"/>
+        <a:font script="Arab" typeface="Tahoma"/>
+        <a:font script="Hebr" typeface="Gisha"/>
+        <a:font script="Thai" typeface="DilleniaUPC"/>
+        <a:font script="Ethi" typeface="Nyala"/>
+        <a:font script="Beng" typeface="Vrinda"/>
+        <a:font script="Gujr" typeface="Shruti"/>
+        <a:font script="Khmr" typeface="DaunPenh"/>
+        <a:font script="Knda" typeface="Tunga"/>
+        <a:font script="Guru" typeface="Raavi"/>
+        <a:font script="Cans" typeface="Euphemia"/>
+        <a:font script="Cher" typeface="Plantagenet Cherokee"/>
+        <a:font script="Yiii" typeface="Microsoft Yi Baiti"/>
+        <a:font script="Tibt" typeface="Microsoft Himalaya"/>
+        <a:font script="Thaa" typeface="MV Boli"/>
+        <a:font script="Deva" typeface="Mangal"/>
+        <a:font script="Telu" typeface="Gautami"/>
+        <a:font script="Taml" typeface="Latha"/>
+        <a:font script="Syrc" typeface="Estrangelo Edessa"/>
+        <a:font script="Orya" typeface="Kalinga"/>
+        <a:font script="Mlym" typeface="Kartika"/>
+        <a:font script="Laoo" typeface="DokChampa"/>
+        <a:font script="Sinh" typeface="Iskoola Pota"/>
+        <a:font script="Mong" typeface="Mongolian Baiti"/>
+        <a:font script="Viet" typeface="Verdana"/>
         <a:font script="Uigh" typeface="Microsoft Uighur"/>
         <a:font script="Geor" typeface="Sylfaen"/>
       </a:minorFont>
     </a:fontScheme>
-    <a:fmtScheme name="Retrospect">
+    <a:fmtScheme name="Basis">
       <a:fillStyleLst>
         <a:solidFill>
           <a:schemeClr val="phClr"/>
         </a:solidFill>
+        <a:solidFill>
+          <a:schemeClr val="phClr">
+            <a:tint val="55000"/>
+            <a:satMod val="130000"/>
+          </a:schemeClr>
+        </a:solidFill>
         <a:gradFill rotWithShape="1">
           <a:gsLst>
             <a:gs pos="0">
+              <a:schemeClr val="phClr"/>
+            </a:gs>
+            <a:gs pos="90000">
               <a:schemeClr val="phClr">
-                <a:tint val="65000"/>
-                <a:shade val="92000"/>
-                <a:satMod val="130000"/>
-              </a:schemeClr>
-            </a:gs>
-            <a:gs pos="45000">
-              <a:schemeClr val="phClr">
-                <a:tint val="60000"/>
-                <a:shade val="99000"/>
-                <a:satMod val="120000"/>
+                <a:shade val="100000"/>
+                <a:satMod val="105000"/>
               </a:schemeClr>
             </a:gs>
             <a:gs pos="100000">
               <a:schemeClr val="phClr">
-                <a:tint val="55000"/>
-                <a:satMod val="140000"/>
-              </a:schemeClr>
-            </a:gs>
-          </a:gsLst>
-          <a:path path="circle">
-            <a:fillToRect l="100000" t="100000" r="100000" b="100000"/>
-          </a:path>
-        </a:gradFill>
-        <a:gradFill rotWithShape="1">
-          <a:gsLst>
-            <a:gs pos="0">
-              <a:schemeClr val="phClr">
-                <a:shade val="85000"/>
-                <a:satMod val="130000"/>
-              </a:schemeClr>
-            </a:gs>
-            <a:gs pos="34000">
-              <a:schemeClr val="phClr">
-                <a:shade val="87000"/>
-                <a:satMod val="125000"/>
-              </a:schemeClr>
-            </a:gs>
-            <a:gs pos="70000">
-              <a:schemeClr val="phClr">
-                <a:tint val="100000"/>
-                <a:shade val="90000"/>
-                <a:satMod val="130000"/>
-              </a:schemeClr>
-            </a:gs>
-            <a:gs pos="100000">
-              <a:schemeClr val="phClr">
-                <a:tint val="100000"/>
-                <a:shade val="100000"/>
-                <a:satMod val="110000"/>
+                <a:shade val="80000"/>
+                <a:satMod val="120000"/>
               </a:schemeClr>
             </a:gs>
           </a:gsLst>
@@ -8238,19 +7768,19 @@
         </a:gradFill>
       </a:fillStyleLst>
       <a:lnStyleLst>
-        <a:ln w="12700" cap="flat" cmpd="sng" algn="ctr">
+        <a:ln w="10000" cap="flat" cmpd="sng" algn="ctr">
           <a:solidFill>
             <a:schemeClr val="phClr"/>
           </a:solidFill>
           <a:prstDash val="solid"/>
         </a:ln>
-        <a:ln w="15875" cap="flat" cmpd="sng" algn="ctr">
+        <a:ln w="19050" cap="flat" cmpd="sng" algn="ctr">
           <a:solidFill>
             <a:schemeClr val="phClr"/>
           </a:solidFill>
           <a:prstDash val="solid"/>
         </a:ln>
-        <a:ln w="25400" cap="flat" cmpd="sng" algn="ctr">
+        <a:ln w="53975" cap="flat" cmpd="dbl" algn="ctr">
           <a:solidFill>
             <a:schemeClr val="phClr"/>
           </a:solidFill>
@@ -8263,18 +7793,18 @@
         </a:effectStyle>
         <a:effectStyle>
           <a:effectLst>
-            <a:outerShdw blurRad="38100" dist="25400" dir="2700000" algn="br" rotWithShape="0">
+            <a:outerShdw blurRad="38100" dist="25400" dir="5400000" rotWithShape="0">
               <a:srgbClr val="000000">
-                <a:alpha val="60000"/>
+                <a:alpha val="45000"/>
               </a:srgbClr>
             </a:outerShdw>
           </a:effectLst>
         </a:effectStyle>
         <a:effectStyle>
           <a:effectLst>
-            <a:outerShdw blurRad="44450" dist="25400" dir="2700000" algn="br" rotWithShape="0">
+            <a:outerShdw blurRad="38100" dist="25400" dir="5400000" rotWithShape="0">
               <a:srgbClr val="000000">
-                <a:alpha val="60000"/>
+                <a:alpha val="45000"/>
               </a:srgbClr>
             </a:outerShdw>
           </a:effectLst>
@@ -8282,12 +7812,16 @@
             <a:camera prst="orthographicFront">
               <a:rot lat="0" lon="0" rev="0"/>
             </a:camera>
-            <a:lightRig rig="threePt" dir="t">
-              <a:rot lat="0" lon="0" rev="19800000"/>
-            </a:lightRig>
+            <a:lightRig rig="brightRoom" dir="t"/>
           </a:scene3d>
-          <a:sp3d prstMaterial="flat">
-            <a:bevelT w="25400" h="31750"/>
+          <a:sp3d extrusionH="12700" contourW="25400" prstMaterial="flat">
+            <a:bevelT w="63500" h="152400" prst="angle"/>
+            <a:contourClr>
+              <a:schemeClr val="phClr">
+                <a:shade val="27000"/>
+                <a:satMod val="120000"/>
+              </a:schemeClr>
+            </a:contourClr>
           </a:sp3d>
         </a:effectStyle>
       </a:effectStyleLst>
@@ -8297,37 +7831,19 @@
         </a:solidFill>
         <a:solidFill>
           <a:schemeClr val="phClr">
-            <a:tint val="90000"/>
-            <a:shade val="97000"/>
-            <a:satMod val="130000"/>
+            <a:tint val="95000"/>
+            <a:shade val="95000"/>
+            <a:satMod val="140000"/>
           </a:schemeClr>
         </a:solidFill>
-        <a:gradFill rotWithShape="1">
-          <a:gsLst>
-            <a:gs pos="0">
-              <a:schemeClr val="phClr">
-                <a:tint val="96000"/>
-                <a:shade val="99000"/>
-                <a:satMod val="140000"/>
-              </a:schemeClr>
-            </a:gs>
-            <a:gs pos="65000">
-              <a:schemeClr val="phClr">
-                <a:tint val="100000"/>
-                <a:shade val="80000"/>
-                <a:satMod val="130000"/>
-              </a:schemeClr>
-            </a:gs>
-            <a:gs pos="100000">
-              <a:schemeClr val="phClr">
-                <a:tint val="100000"/>
-                <a:shade val="48000"/>
-                <a:satMod val="120000"/>
-              </a:schemeClr>
-            </a:gs>
-          </a:gsLst>
-          <a:lin ang="16200000" scaled="0"/>
-        </a:gradFill>
+        <a:solidFill>
+          <a:schemeClr val="phClr">
+            <a:tint val="90000"/>
+            <a:shade val="85000"/>
+            <a:satMod val="160000"/>
+            <a:lumMod val="110000"/>
+          </a:schemeClr>
+        </a:solidFill>
       </a:bgFillStyleLst>
     </a:fmtScheme>
   </a:themeElements>
@@ -8335,7 +7851,7 @@
   <a:extraClrSchemeLst/>
   <a:extLst>
     <a:ext uri="{05A4C25C-085E-4340-85A3-A5531E510DB2}">
-      <thm15:themeFamily xmlns:thm15="http://schemas.microsoft.com/office/thememl/2012/main" name="Retrospect" id="{5F128B03-DCCA-4EEB-AB3B-CF2899314A46}" vid="{3F1AAB62-24C6-49D2-8E01-B56FAC9A3DCD}"/>
+      <thm15:themeFamily xmlns:thm15="http://schemas.microsoft.com/office/thememl/2012/main" name="Basis" id="{5665723A-49BA-4B57-8411-A56F8F207965}" vid="{90E45F77-AEFC-46EF-A7C1-5B338C297B02}"/>
     </a:ext>
   </a:extLst>
 </a:theme>
